--- a/927623bcs054-MADHAN G.pptx
+++ b/927623bcs054-MADHAN G.pptx
@@ -3,36 +3,36 @@
 <p:presentation xmlns:a="http://schemas.openxmlformats.org/drawingml/2006/main" xmlns:r="http://schemas.openxmlformats.org/officeDocument/2006/relationships" xmlns:p="http://schemas.openxmlformats.org/presentationml/2006/main" removePersonalInfoOnSave="1">
   <p:sldMasterIdLst>
     <p:sldMasterId id="2147483648" r:id="rId1"/>
-    <p:sldMasterId id="2147483660" r:id="rId2"/>
+    <p:sldMasterId id="2147483660" r:id="rId3"/>
   </p:sldMasterIdLst>
   <p:notesMasterIdLst>
-    <p:notesMasterId r:id="rId21"/>
+    <p:notesMasterId r:id="rId22"/>
   </p:notesMasterIdLst>
   <p:handoutMasterIdLst>
-    <p:handoutMasterId r:id="rId22"/>
+    <p:handoutMasterId r:id="rId23"/>
   </p:handoutMasterIdLst>
   <p:sldIdLst>
-    <p:sldId id="535" r:id="rId3"/>
-    <p:sldId id="495" r:id="rId4"/>
-    <p:sldId id="514" r:id="rId5"/>
-    <p:sldId id="497" r:id="rId6"/>
-    <p:sldId id="515" r:id="rId7"/>
-    <p:sldId id="516" r:id="rId8"/>
-    <p:sldId id="536" r:id="rId9"/>
-    <p:sldId id="517" r:id="rId10"/>
-    <p:sldId id="518" r:id="rId11"/>
-    <p:sldId id="520" r:id="rId12"/>
-    <p:sldId id="530" r:id="rId13"/>
-    <p:sldId id="531" r:id="rId14"/>
-    <p:sldId id="532" r:id="rId15"/>
-    <p:sldId id="538" r:id="rId16"/>
-    <p:sldId id="539" r:id="rId17"/>
-    <p:sldId id="533" r:id="rId18"/>
-    <p:sldId id="534" r:id="rId19"/>
-    <p:sldId id="528" r:id="rId20"/>
+    <p:sldId id="535" r:id="rId4"/>
+    <p:sldId id="495" r:id="rId5"/>
+    <p:sldId id="514" r:id="rId6"/>
+    <p:sldId id="497" r:id="rId7"/>
+    <p:sldId id="515" r:id="rId8"/>
+    <p:sldId id="516" r:id="rId9"/>
+    <p:sldId id="536" r:id="rId10"/>
+    <p:sldId id="517" r:id="rId11"/>
+    <p:sldId id="518" r:id="rId12"/>
+    <p:sldId id="520" r:id="rId13"/>
+    <p:sldId id="530" r:id="rId14"/>
+    <p:sldId id="531" r:id="rId15"/>
+    <p:sldId id="532" r:id="rId16"/>
+    <p:sldId id="538" r:id="rId17"/>
+    <p:sldId id="539" r:id="rId18"/>
+    <p:sldId id="533" r:id="rId19"/>
+    <p:sldId id="534" r:id="rId20"/>
+    <p:sldId id="528" r:id="rId21"/>
   </p:sldIdLst>
   <p:sldSz cx="9144000" cy="5143500" type="screen16x9"/>
-  <p:notesSz cx="6797675" cy="9926638"/>
+  <p:notesSz cx="6797675" cy="9926320"/>
   <p:defaultTextStyle>
     <a:defPPr>
       <a:defRPr lang="en-US"/>
@@ -256,7 +256,6 @@
             </a:pPr>
             <a:fld id="{14FDCBBC-8C6D-4B91-8E0F-7F7539A60517}" type="datetimeFigureOut">
               <a:rPr lang="en-US"/>
-              <a:t>5/14/2025</a:t>
             </a:fld>
             <a:endParaRPr lang="en-US" dirty="0"/>
           </a:p>
@@ -339,18 +338,12 @@
             </a:pPr>
             <a:fld id="{2952E2ED-3A02-491C-A9B8-DFEE216EB3A7}" type="slidenum">
               <a:rPr lang="en-US" altLang="en-US"/>
-              <a:t>‹#›</a:t>
             </a:fld>
             <a:endParaRPr lang="en-US" altLang="en-US"/>
           </a:p>
         </p:txBody>
       </p:sp>
     </p:spTree>
-    <p:extLst>
-      <p:ext uri="{BB962C8B-B14F-4D97-AF65-F5344CB8AC3E}">
-        <p14:creationId xmlns:p14="http://schemas.microsoft.com/office/powerpoint/2010/main" val="1"/>
-      </p:ext>
-    </p:extLst>
   </p:cSld>
   <p:clrMap bg1="lt1" tx1="dk1" bg2="lt2" tx2="dk2" accent1="accent1" accent2="accent2" accent3="accent3" accent4="accent4" accent5="accent5" accent6="accent6" hlink="hlink" folHlink="folHlink"/>
   <p:hf hdr="0" ftr="0" dt="0"/>
@@ -466,7 +459,6 @@
             </a:pPr>
             <a:fld id="{061F6FC2-9645-479A-A309-27B8F5654211}" type="datetimeFigureOut">
               <a:rPr lang="en-US"/>
-              <a:t>5/14/2025</a:t>
             </a:fld>
             <a:endParaRPr lang="en-US" dirty="0"/>
           </a:p>
@@ -536,6 +528,7 @@
               <a:rPr lang="en-US" noProof="0"/>
               <a:t>Click to edit Master text styles</a:t>
             </a:r>
+            <a:endParaRPr lang="en-US" noProof="0"/>
           </a:p>
           <a:p>
             <a:pPr lvl="1"/>
@@ -543,6 +536,7 @@
               <a:rPr lang="en-US" noProof="0"/>
               <a:t>Second level</a:t>
             </a:r>
+            <a:endParaRPr lang="en-US" noProof="0"/>
           </a:p>
           <a:p>
             <a:pPr lvl="2"/>
@@ -550,6 +544,7 @@
               <a:rPr lang="en-US" noProof="0"/>
               <a:t>Third level</a:t>
             </a:r>
+            <a:endParaRPr lang="en-US" noProof="0"/>
           </a:p>
           <a:p>
             <a:pPr lvl="3"/>
@@ -557,6 +552,7 @@
               <a:rPr lang="en-US" noProof="0"/>
               <a:t>Fourth level</a:t>
             </a:r>
+            <a:endParaRPr lang="en-US" noProof="0"/>
           </a:p>
           <a:p>
             <a:pPr lvl="4"/>
@@ -564,6 +560,7 @@
               <a:rPr lang="en-US" noProof="0"/>
               <a:t>Fifth level</a:t>
             </a:r>
+            <a:endParaRPr lang="en-US" noProof="0"/>
           </a:p>
         </p:txBody>
       </p:sp>
@@ -644,7 +641,6 @@
             </a:pPr>
             <a:fld id="{F2D8CC3F-ADB2-4AF7-880C-111F7E6C7FE6}" type="slidenum">
               <a:rPr lang="en-US" altLang="en-US"/>
-              <a:t>‹#›</a:t>
             </a:fld>
             <a:endParaRPr lang="en-US" altLang="en-US"/>
           </a:p>
@@ -828,6 +824,7 @@
               <a:rPr kumimoji="0" lang="en-US"/>
               <a:t>Click to edit Master title style</a:t>
             </a:r>
+            <a:endParaRPr kumimoji="0" lang="en-US"/>
           </a:p>
         </p:txBody>
       </p:sp>
@@ -891,6 +888,7 @@
               <a:rPr kumimoji="0" lang="en-US"/>
               <a:t>Click to edit Master subtitle style</a:t>
             </a:r>
+            <a:endParaRPr kumimoji="0" lang="en-US"/>
           </a:p>
         </p:txBody>
       </p:sp>
@@ -923,7 +921,6 @@
             </a:pPr>
             <a:fld id="{EDD62464-91D3-48B5-AF18-AC74D9BF9633}" type="datetime3">
               <a:rPr lang="en-US" smtClean="0"/>
-              <a:t>14 May 2025</a:t>
             </a:fld>
             <a:endParaRPr lang="en-US" dirty="0"/>
           </a:p>
@@ -985,7 +982,6 @@
             </a:pPr>
             <a:fld id="{C0A8E10E-36D1-42AB-939C-34BEB33CD9E4}" type="slidenum">
               <a:rPr lang="en-US" altLang="en-US" smtClean="0"/>
-              <a:t>‹#›</a:t>
             </a:fld>
             <a:endParaRPr lang="en-US" altLang="en-US"/>
           </a:p>
@@ -1219,6 +1215,7 @@
               <a:rPr kumimoji="0" lang="en-US"/>
               <a:t>Click to edit Master title style</a:t>
             </a:r>
+            <a:endParaRPr kumimoji="0" lang="en-US"/>
           </a:p>
         </p:txBody>
       </p:sp>
@@ -1242,6 +1239,7 @@
               <a:rPr lang="en-US"/>
               <a:t>Click to edit Master text styles</a:t>
             </a:r>
+            <a:endParaRPr lang="en-US"/>
           </a:p>
           <a:p>
             <a:pPr lvl="1" eaLnBrk="1" latinLnBrk="0" hangingPunct="1"/>
@@ -1249,6 +1247,7 @@
               <a:rPr lang="en-US"/>
               <a:t>Second level</a:t>
             </a:r>
+            <a:endParaRPr lang="en-US"/>
           </a:p>
           <a:p>
             <a:pPr lvl="2" eaLnBrk="1" latinLnBrk="0" hangingPunct="1"/>
@@ -1256,6 +1255,7 @@
               <a:rPr lang="en-US"/>
               <a:t>Third level</a:t>
             </a:r>
+            <a:endParaRPr lang="en-US"/>
           </a:p>
           <a:p>
             <a:pPr lvl="3" eaLnBrk="1" latinLnBrk="0" hangingPunct="1"/>
@@ -1263,6 +1263,7 @@
               <a:rPr lang="en-US"/>
               <a:t>Fourth level</a:t>
             </a:r>
+            <a:endParaRPr lang="en-US"/>
           </a:p>
           <a:p>
             <a:pPr lvl="4" eaLnBrk="1" latinLnBrk="0" hangingPunct="1"/>
@@ -1294,7 +1295,6 @@
             </a:pPr>
             <a:fld id="{539A3B33-C0B7-41A2-B02D-6B795B806535}" type="datetime3">
               <a:rPr lang="en-US" smtClean="0"/>
-              <a:t>14 May 2025</a:t>
             </a:fld>
             <a:endParaRPr lang="en-US" dirty="0"/>
           </a:p>
@@ -1346,7 +1346,6 @@
             </a:pPr>
             <a:fld id="{9A0C11DA-FA02-4E33-93FC-C378FAF95FBA}" type="slidenum">
               <a:rPr lang="en-US" altLang="en-US" smtClean="0"/>
-              <a:t>‹#›</a:t>
             </a:fld>
             <a:endParaRPr lang="en-US" altLang="en-US"/>
           </a:p>
@@ -1401,6 +1400,7 @@
               <a:rPr kumimoji="0" lang="en-US"/>
               <a:t>Click to edit Master title style</a:t>
             </a:r>
+            <a:endParaRPr kumimoji="0" lang="en-US"/>
           </a:p>
         </p:txBody>
       </p:sp>
@@ -1429,6 +1429,7 @@
               <a:rPr lang="en-US"/>
               <a:t>Click to edit Master text styles</a:t>
             </a:r>
+            <a:endParaRPr lang="en-US"/>
           </a:p>
           <a:p>
             <a:pPr lvl="1" eaLnBrk="1" latinLnBrk="0" hangingPunct="1"/>
@@ -1436,6 +1437,7 @@
               <a:rPr lang="en-US"/>
               <a:t>Second level</a:t>
             </a:r>
+            <a:endParaRPr lang="en-US"/>
           </a:p>
           <a:p>
             <a:pPr lvl="2" eaLnBrk="1" latinLnBrk="0" hangingPunct="1"/>
@@ -1443,6 +1445,7 @@
               <a:rPr lang="en-US"/>
               <a:t>Third level</a:t>
             </a:r>
+            <a:endParaRPr lang="en-US"/>
           </a:p>
           <a:p>
             <a:pPr lvl="3" eaLnBrk="1" latinLnBrk="0" hangingPunct="1"/>
@@ -1450,6 +1453,7 @@
               <a:rPr lang="en-US"/>
               <a:t>Fourth level</a:t>
             </a:r>
+            <a:endParaRPr lang="en-US"/>
           </a:p>
           <a:p>
             <a:pPr lvl="4" eaLnBrk="1" latinLnBrk="0" hangingPunct="1"/>
@@ -1481,7 +1485,6 @@
             </a:pPr>
             <a:fld id="{11E726FA-2B63-4917-AB28-C983D9D4464F}" type="datetime3">
               <a:rPr lang="en-US" smtClean="0"/>
-              <a:t>14 May 2025</a:t>
             </a:fld>
             <a:endParaRPr lang="en-US" dirty="0"/>
           </a:p>
@@ -1533,7 +1536,6 @@
             </a:pPr>
             <a:fld id="{B1E085C4-C07B-4C80-B337-90438D59D3CD}" type="slidenum">
               <a:rPr lang="en-US" altLang="en-US" smtClean="0"/>
-              <a:t>‹#›</a:t>
             </a:fld>
             <a:endParaRPr lang="en-US" altLang="en-US"/>
           </a:p>
@@ -1718,6 +1720,7 @@
               <a:rPr kumimoji="0" lang="en-US"/>
               <a:t>Click to edit Master title style</a:t>
             </a:r>
+            <a:endParaRPr kumimoji="0" lang="en-US"/>
           </a:p>
         </p:txBody>
       </p:sp>
@@ -1781,6 +1784,7 @@
               <a:rPr kumimoji="0" lang="en-US"/>
               <a:t>Click to edit Master subtitle style</a:t>
             </a:r>
+            <a:endParaRPr kumimoji="0" lang="en-US"/>
           </a:p>
         </p:txBody>
       </p:sp>
@@ -1817,7 +1821,6 @@
                   <a:srgbClr val="464653"/>
                 </a:solidFill>
               </a:rPr>
-              <a:t>14 May 2025</a:t>
             </a:fld>
             <a:endParaRPr lang="en-US" dirty="0">
               <a:solidFill>
@@ -1895,7 +1898,6 @@
                   <a:srgbClr val="464653"/>
                 </a:solidFill>
               </a:rPr>
-              <a:t>‹#›</a:t>
             </a:fld>
             <a:endParaRPr lang="en-US" altLang="en-US">
               <a:solidFill>
@@ -2149,6 +2151,7 @@
               <a:rPr kumimoji="0" lang="en-US"/>
               <a:t>Click to edit Master title style</a:t>
             </a:r>
+            <a:endParaRPr kumimoji="0" lang="en-US"/>
           </a:p>
         </p:txBody>
       </p:sp>
@@ -2176,7 +2179,6 @@
                   <a:srgbClr val="464653"/>
                 </a:solidFill>
               </a:rPr>
-              <a:t>14 May 2025</a:t>
             </a:fld>
             <a:endParaRPr lang="en-US" dirty="0">
               <a:solidFill>
@@ -2244,7 +2246,6 @@
                   <a:srgbClr val="464653"/>
                 </a:solidFill>
               </a:rPr>
-              <a:t>‹#›</a:t>
             </a:fld>
             <a:endParaRPr lang="en-US" altLang="en-US">
               <a:solidFill>
@@ -2279,6 +2280,7 @@
               <a:rPr lang="en-US"/>
               <a:t>Click to edit Master text styles</a:t>
             </a:r>
+            <a:endParaRPr lang="en-US"/>
           </a:p>
           <a:p>
             <a:pPr lvl="1" eaLnBrk="1" latinLnBrk="0" hangingPunct="1"/>
@@ -2286,6 +2288,7 @@
               <a:rPr lang="en-US"/>
               <a:t>Second level</a:t>
             </a:r>
+            <a:endParaRPr lang="en-US"/>
           </a:p>
           <a:p>
             <a:pPr lvl="2" eaLnBrk="1" latinLnBrk="0" hangingPunct="1"/>
@@ -2293,6 +2296,7 @@
               <a:rPr lang="en-US"/>
               <a:t>Third level</a:t>
             </a:r>
+            <a:endParaRPr lang="en-US"/>
           </a:p>
           <a:p>
             <a:pPr lvl="3" eaLnBrk="1" latinLnBrk="0" hangingPunct="1"/>
@@ -2300,6 +2304,7 @@
               <a:rPr lang="en-US"/>
               <a:t>Fourth level</a:t>
             </a:r>
+            <a:endParaRPr lang="en-US"/>
           </a:p>
           <a:p>
             <a:pPr lvl="4" eaLnBrk="1" latinLnBrk="0" hangingPunct="1"/>
@@ -2365,6 +2370,7 @@
               <a:rPr kumimoji="0" lang="en-US"/>
               <a:t>Click to edit Master title style</a:t>
             </a:r>
+            <a:endParaRPr kumimoji="0" lang="en-US"/>
           </a:p>
         </p:txBody>
       </p:sp>
@@ -2444,6 +2450,7 @@
               <a:rPr kumimoji="0" lang="en-US"/>
               <a:t>Click to edit Master text styles</a:t>
             </a:r>
+            <a:endParaRPr kumimoji="0" lang="en-US"/>
           </a:p>
         </p:txBody>
       </p:sp>
@@ -2476,7 +2483,6 @@
                   <a:srgbClr val="DDE9EC"/>
                 </a:solidFill>
               </a:rPr>
-              <a:t>14 May 2025</a:t>
             </a:fld>
             <a:endParaRPr lang="en-US" dirty="0">
               <a:solidFill>
@@ -2554,7 +2560,6 @@
                   <a:srgbClr val="DDE9EC"/>
                 </a:solidFill>
               </a:rPr>
-              <a:t>‹#›</a:t>
             </a:fld>
             <a:endParaRPr lang="en-US" altLang="en-US">
               <a:solidFill>
@@ -2713,6 +2718,7 @@
               <a:rPr kumimoji="0" lang="en-US"/>
               <a:t>Click to edit Master title style</a:t>
             </a:r>
+            <a:endParaRPr kumimoji="0" lang="en-US"/>
           </a:p>
         </p:txBody>
       </p:sp>
@@ -2740,7 +2746,6 @@
                   <a:srgbClr val="464653"/>
                 </a:solidFill>
               </a:rPr>
-              <a:t>14 May 2025</a:t>
             </a:fld>
             <a:endParaRPr lang="en-US" dirty="0">
               <a:solidFill>
@@ -2808,7 +2813,6 @@
                   <a:srgbClr val="464653"/>
                 </a:solidFill>
               </a:rPr>
-              <a:t>‹#›</a:t>
             </a:fld>
             <a:endParaRPr lang="en-US" altLang="en-US">
               <a:solidFill>
@@ -2843,6 +2847,7 @@
               <a:rPr lang="en-US"/>
               <a:t>Click to edit Master text styles</a:t>
             </a:r>
+            <a:endParaRPr lang="en-US"/>
           </a:p>
           <a:p>
             <a:pPr lvl="1" eaLnBrk="1" latinLnBrk="0" hangingPunct="1"/>
@@ -2850,6 +2855,7 @@
               <a:rPr lang="en-US"/>
               <a:t>Second level</a:t>
             </a:r>
+            <a:endParaRPr lang="en-US"/>
           </a:p>
           <a:p>
             <a:pPr lvl="2" eaLnBrk="1" latinLnBrk="0" hangingPunct="1"/>
@@ -2857,6 +2863,7 @@
               <a:rPr lang="en-US"/>
               <a:t>Third level</a:t>
             </a:r>
+            <a:endParaRPr lang="en-US"/>
           </a:p>
           <a:p>
             <a:pPr lvl="3" eaLnBrk="1" latinLnBrk="0" hangingPunct="1"/>
@@ -2864,6 +2871,7 @@
               <a:rPr lang="en-US"/>
               <a:t>Fourth level</a:t>
             </a:r>
+            <a:endParaRPr lang="en-US"/>
           </a:p>
           <a:p>
             <a:pPr lvl="4" eaLnBrk="1" latinLnBrk="0" hangingPunct="1"/>
@@ -2900,6 +2908,7 @@
               <a:rPr lang="en-US"/>
               <a:t>Click to edit Master text styles</a:t>
             </a:r>
+            <a:endParaRPr lang="en-US"/>
           </a:p>
           <a:p>
             <a:pPr lvl="1" eaLnBrk="1" latinLnBrk="0" hangingPunct="1"/>
@@ -2907,6 +2916,7 @@
               <a:rPr lang="en-US"/>
               <a:t>Second level</a:t>
             </a:r>
+            <a:endParaRPr lang="en-US"/>
           </a:p>
           <a:p>
             <a:pPr lvl="2" eaLnBrk="1" latinLnBrk="0" hangingPunct="1"/>
@@ -2914,6 +2924,7 @@
               <a:rPr lang="en-US"/>
               <a:t>Third level</a:t>
             </a:r>
+            <a:endParaRPr lang="en-US"/>
           </a:p>
           <a:p>
             <a:pPr lvl="3" eaLnBrk="1" latinLnBrk="0" hangingPunct="1"/>
@@ -2921,6 +2932,7 @@
               <a:rPr lang="en-US"/>
               <a:t>Fourth level</a:t>
             </a:r>
+            <a:endParaRPr lang="en-US"/>
           </a:p>
           <a:p>
             <a:pPr lvl="4" eaLnBrk="1" latinLnBrk="0" hangingPunct="1"/>
@@ -2985,6 +2997,7 @@
               <a:rPr kumimoji="0" lang="en-US"/>
               <a:t>Click to edit Master title style</a:t>
             </a:r>
+            <a:endParaRPr kumimoji="0" lang="en-US"/>
           </a:p>
         </p:txBody>
       </p:sp>
@@ -3044,6 +3057,7 @@
               <a:rPr kumimoji="0" lang="en-US"/>
               <a:t>Click to edit Master text styles</a:t>
             </a:r>
+            <a:endParaRPr kumimoji="0" lang="en-US"/>
           </a:p>
         </p:txBody>
       </p:sp>
@@ -3101,6 +3115,7 @@
               <a:rPr kumimoji="0" lang="en-US"/>
               <a:t>Click to edit Master text styles</a:t>
             </a:r>
+            <a:endParaRPr kumimoji="0" lang="en-US"/>
           </a:p>
         </p:txBody>
       </p:sp>
@@ -3128,7 +3143,6 @@
                   <a:srgbClr val="464653"/>
                 </a:solidFill>
               </a:rPr>
-              <a:t>14 May 2025</a:t>
             </a:fld>
             <a:endParaRPr lang="en-US" dirty="0">
               <a:solidFill>
@@ -3196,7 +3210,6 @@
                   <a:srgbClr val="464653"/>
                 </a:solidFill>
               </a:rPr>
-              <a:t>‹#›</a:t>
             </a:fld>
             <a:endParaRPr lang="en-US" altLang="en-US">
               <a:solidFill>
@@ -3231,6 +3244,7 @@
               <a:rPr lang="en-US"/>
               <a:t>Click to edit Master text styles</a:t>
             </a:r>
+            <a:endParaRPr lang="en-US"/>
           </a:p>
           <a:p>
             <a:pPr lvl="1" eaLnBrk="1" latinLnBrk="0" hangingPunct="1"/>
@@ -3238,6 +3252,7 @@
               <a:rPr lang="en-US"/>
               <a:t>Second level</a:t>
             </a:r>
+            <a:endParaRPr lang="en-US"/>
           </a:p>
           <a:p>
             <a:pPr lvl="2" eaLnBrk="1" latinLnBrk="0" hangingPunct="1"/>
@@ -3245,6 +3260,7 @@
               <a:rPr lang="en-US"/>
               <a:t>Third level</a:t>
             </a:r>
+            <a:endParaRPr lang="en-US"/>
           </a:p>
           <a:p>
             <a:pPr lvl="3" eaLnBrk="1" latinLnBrk="0" hangingPunct="1"/>
@@ -3252,6 +3268,7 @@
               <a:rPr lang="en-US"/>
               <a:t>Fourth level</a:t>
             </a:r>
+            <a:endParaRPr lang="en-US"/>
           </a:p>
           <a:p>
             <a:pPr lvl="4" eaLnBrk="1" latinLnBrk="0" hangingPunct="1"/>
@@ -3288,6 +3305,7 @@
               <a:rPr lang="en-US"/>
               <a:t>Click to edit Master text styles</a:t>
             </a:r>
+            <a:endParaRPr lang="en-US"/>
           </a:p>
           <a:p>
             <a:pPr lvl="1" eaLnBrk="1" latinLnBrk="0" hangingPunct="1"/>
@@ -3295,6 +3313,7 @@
               <a:rPr lang="en-US"/>
               <a:t>Second level</a:t>
             </a:r>
+            <a:endParaRPr lang="en-US"/>
           </a:p>
           <a:p>
             <a:pPr lvl="2" eaLnBrk="1" latinLnBrk="0" hangingPunct="1"/>
@@ -3302,6 +3321,7 @@
               <a:rPr lang="en-US"/>
               <a:t>Third level</a:t>
             </a:r>
+            <a:endParaRPr lang="en-US"/>
           </a:p>
           <a:p>
             <a:pPr lvl="3" eaLnBrk="1" latinLnBrk="0" hangingPunct="1"/>
@@ -3309,6 +3329,7 @@
               <a:rPr lang="en-US"/>
               <a:t>Fourth level</a:t>
             </a:r>
+            <a:endParaRPr lang="en-US"/>
           </a:p>
           <a:p>
             <a:pPr lvl="4" eaLnBrk="1" latinLnBrk="0" hangingPunct="1"/>
@@ -3369,6 +3390,7 @@
               <a:rPr kumimoji="0" lang="en-US"/>
               <a:t>Click to edit Master title style</a:t>
             </a:r>
+            <a:endParaRPr kumimoji="0" lang="en-US"/>
           </a:p>
         </p:txBody>
       </p:sp>
@@ -3396,7 +3418,6 @@
                   <a:srgbClr val="464653"/>
                 </a:solidFill>
               </a:rPr>
-              <a:t>14 May 2025</a:t>
             </a:fld>
             <a:endParaRPr lang="en-US" dirty="0">
               <a:solidFill>
@@ -3464,7 +3485,6 @@
                   <a:srgbClr val="464653"/>
                 </a:solidFill>
               </a:rPr>
-              <a:t>‹#›</a:t>
             </a:fld>
             <a:endParaRPr lang="en-US" altLang="en-US">
               <a:solidFill>
@@ -3577,7 +3597,6 @@
                   <a:srgbClr val="464653"/>
                 </a:solidFill>
               </a:rPr>
-              <a:t>14 May 2025</a:t>
             </a:fld>
             <a:endParaRPr lang="en-US" dirty="0">
               <a:solidFill>
@@ -3645,7 +3664,6 @@
                   <a:srgbClr val="464653"/>
                 </a:solidFill>
               </a:rPr>
-              <a:t>‹#›</a:t>
             </a:fld>
             <a:endParaRPr lang="en-US" altLang="en-US">
               <a:solidFill>
@@ -3812,6 +3830,7 @@
               <a:rPr kumimoji="0" lang="en-US"/>
               <a:t>Click to edit Master title style</a:t>
             </a:r>
+            <a:endParaRPr kumimoji="0" lang="en-US"/>
           </a:p>
         </p:txBody>
       </p:sp>
@@ -3871,6 +3890,7 @@
               <a:rPr kumimoji="0" lang="en-US"/>
               <a:t>Click to edit Master text styles</a:t>
             </a:r>
+            <a:endParaRPr kumimoji="0" lang="en-US"/>
           </a:p>
         </p:txBody>
       </p:sp>
@@ -3898,7 +3918,6 @@
                   <a:srgbClr val="464653"/>
                 </a:solidFill>
               </a:rPr>
-              <a:t>14 May 2025</a:t>
             </a:fld>
             <a:endParaRPr lang="en-US" dirty="0">
               <a:solidFill>
@@ -3966,7 +3985,6 @@
                   <a:srgbClr val="464653"/>
                 </a:solidFill>
               </a:rPr>
-              <a:t>‹#›</a:t>
             </a:fld>
             <a:endParaRPr lang="en-US" altLang="en-US">
               <a:solidFill>
@@ -4135,6 +4153,7 @@
               <a:rPr lang="en-US"/>
               <a:t>Click to edit Master text styles</a:t>
             </a:r>
+            <a:endParaRPr lang="en-US"/>
           </a:p>
           <a:p>
             <a:pPr lvl="1" eaLnBrk="1" latinLnBrk="0" hangingPunct="1"/>
@@ -4142,6 +4161,7 @@
               <a:rPr lang="en-US"/>
               <a:t>Second level</a:t>
             </a:r>
+            <a:endParaRPr lang="en-US"/>
           </a:p>
           <a:p>
             <a:pPr lvl="2" eaLnBrk="1" latinLnBrk="0" hangingPunct="1"/>
@@ -4149,6 +4169,7 @@
               <a:rPr lang="en-US"/>
               <a:t>Third level</a:t>
             </a:r>
+            <a:endParaRPr lang="en-US"/>
           </a:p>
           <a:p>
             <a:pPr lvl="3" eaLnBrk="1" latinLnBrk="0" hangingPunct="1"/>
@@ -4156,6 +4177,7 @@
               <a:rPr lang="en-US"/>
               <a:t>Fourth level</a:t>
             </a:r>
+            <a:endParaRPr lang="en-US"/>
           </a:p>
           <a:p>
             <a:pPr lvl="4" eaLnBrk="1" latinLnBrk="0" hangingPunct="1"/>
@@ -4211,6 +4233,7 @@
               <a:rPr kumimoji="0" lang="en-US"/>
               <a:t>Click to edit Master title style</a:t>
             </a:r>
+            <a:endParaRPr kumimoji="0" lang="en-US"/>
           </a:p>
         </p:txBody>
       </p:sp>
@@ -4234,7 +4257,6 @@
             </a:pPr>
             <a:fld id="{B6A9C998-94AD-4592-8E0C-5C5705351BB2}" type="datetime3">
               <a:rPr lang="en-US" smtClean="0"/>
-              <a:t>14 May 2025</a:t>
             </a:fld>
             <a:endParaRPr lang="en-US" dirty="0"/>
           </a:p>
@@ -4286,7 +4308,6 @@
             </a:pPr>
             <a:fld id="{0E14ABD8-B1EB-4C07-9937-C8C4E38BDF00}" type="slidenum">
               <a:rPr lang="en-US" altLang="en-US" smtClean="0"/>
-              <a:t>‹#›</a:t>
             </a:fld>
             <a:endParaRPr lang="en-US" altLang="en-US"/>
           </a:p>
@@ -4317,6 +4338,7 @@
               <a:rPr lang="en-US"/>
               <a:t>Click to edit Master text styles</a:t>
             </a:r>
+            <a:endParaRPr lang="en-US"/>
           </a:p>
           <a:p>
             <a:pPr lvl="1" eaLnBrk="1" latinLnBrk="0" hangingPunct="1"/>
@@ -4324,6 +4346,7 @@
               <a:rPr lang="en-US"/>
               <a:t>Second level</a:t>
             </a:r>
+            <a:endParaRPr lang="en-US"/>
           </a:p>
           <a:p>
             <a:pPr lvl="2" eaLnBrk="1" latinLnBrk="0" hangingPunct="1"/>
@@ -4331,6 +4354,7 @@
               <a:rPr lang="en-US"/>
               <a:t>Third level</a:t>
             </a:r>
+            <a:endParaRPr lang="en-US"/>
           </a:p>
           <a:p>
             <a:pPr lvl="3" eaLnBrk="1" latinLnBrk="0" hangingPunct="1"/>
@@ -4338,6 +4362,7 @@
               <a:rPr lang="en-US"/>
               <a:t>Fourth level</a:t>
             </a:r>
+            <a:endParaRPr lang="en-US"/>
           </a:p>
           <a:p>
             <a:pPr lvl="4" eaLnBrk="1" latinLnBrk="0" hangingPunct="1"/>
@@ -4412,6 +4437,7 @@
               <a:rPr kumimoji="0" lang="en-US"/>
               <a:t>Click to edit Master title style</a:t>
             </a:r>
+            <a:endParaRPr kumimoji="0" lang="en-US"/>
           </a:p>
         </p:txBody>
       </p:sp>
@@ -4503,6 +4529,7 @@
               <a:rPr kumimoji="0" lang="en-US"/>
               <a:t>Click to edit Master text styles</a:t>
             </a:r>
+            <a:endParaRPr kumimoji="0" lang="en-US"/>
           </a:p>
         </p:txBody>
       </p:sp>
@@ -4530,7 +4557,6 @@
                   <a:srgbClr val="DDE9EC"/>
                 </a:solidFill>
               </a:rPr>
-              <a:t>14 May 2025</a:t>
             </a:fld>
             <a:endParaRPr lang="en-US" dirty="0">
               <a:solidFill>
@@ -4598,7 +4624,6 @@
                   <a:srgbClr val="DDE9EC"/>
                 </a:solidFill>
               </a:rPr>
-              <a:t>‹#›</a:t>
             </a:fld>
             <a:endParaRPr lang="en-US" altLang="en-US">
               <a:solidFill>
@@ -4796,6 +4821,7 @@
               <a:rPr kumimoji="0" lang="en-US"/>
               <a:t>Click to edit Master title style</a:t>
             </a:r>
+            <a:endParaRPr kumimoji="0" lang="en-US"/>
           </a:p>
         </p:txBody>
       </p:sp>
@@ -4819,6 +4845,7 @@
               <a:rPr lang="en-US"/>
               <a:t>Click to edit Master text styles</a:t>
             </a:r>
+            <a:endParaRPr lang="en-US"/>
           </a:p>
           <a:p>
             <a:pPr lvl="1" eaLnBrk="1" latinLnBrk="0" hangingPunct="1"/>
@@ -4826,6 +4853,7 @@
               <a:rPr lang="en-US"/>
               <a:t>Second level</a:t>
             </a:r>
+            <a:endParaRPr lang="en-US"/>
           </a:p>
           <a:p>
             <a:pPr lvl="2" eaLnBrk="1" latinLnBrk="0" hangingPunct="1"/>
@@ -4833,6 +4861,7 @@
               <a:rPr lang="en-US"/>
               <a:t>Third level</a:t>
             </a:r>
+            <a:endParaRPr lang="en-US"/>
           </a:p>
           <a:p>
             <a:pPr lvl="3" eaLnBrk="1" latinLnBrk="0" hangingPunct="1"/>
@@ -4840,6 +4869,7 @@
               <a:rPr lang="en-US"/>
               <a:t>Fourth level</a:t>
             </a:r>
+            <a:endParaRPr lang="en-US"/>
           </a:p>
           <a:p>
             <a:pPr lvl="4" eaLnBrk="1" latinLnBrk="0" hangingPunct="1"/>
@@ -4875,7 +4905,6 @@
                   <a:srgbClr val="464653"/>
                 </a:solidFill>
               </a:rPr>
-              <a:t>14 May 2025</a:t>
             </a:fld>
             <a:endParaRPr lang="en-US" dirty="0">
               <a:solidFill>
@@ -4943,7 +4972,6 @@
                   <a:srgbClr val="464653"/>
                 </a:solidFill>
               </a:rPr>
-              <a:t>‹#›</a:t>
             </a:fld>
             <a:endParaRPr lang="en-US" altLang="en-US">
               <a:solidFill>
@@ -5002,6 +5030,7 @@
               <a:rPr kumimoji="0" lang="en-US"/>
               <a:t>Click to edit Master title style</a:t>
             </a:r>
+            <a:endParaRPr kumimoji="0" lang="en-US"/>
           </a:p>
         </p:txBody>
       </p:sp>
@@ -5030,6 +5059,7 @@
               <a:rPr lang="en-US"/>
               <a:t>Click to edit Master text styles</a:t>
             </a:r>
+            <a:endParaRPr lang="en-US"/>
           </a:p>
           <a:p>
             <a:pPr lvl="1" eaLnBrk="1" latinLnBrk="0" hangingPunct="1"/>
@@ -5037,6 +5067,7 @@
               <a:rPr lang="en-US"/>
               <a:t>Second level</a:t>
             </a:r>
+            <a:endParaRPr lang="en-US"/>
           </a:p>
           <a:p>
             <a:pPr lvl="2" eaLnBrk="1" latinLnBrk="0" hangingPunct="1"/>
@@ -5044,6 +5075,7 @@
               <a:rPr lang="en-US"/>
               <a:t>Third level</a:t>
             </a:r>
+            <a:endParaRPr lang="en-US"/>
           </a:p>
           <a:p>
             <a:pPr lvl="3" eaLnBrk="1" latinLnBrk="0" hangingPunct="1"/>
@@ -5051,6 +5083,7 @@
               <a:rPr lang="en-US"/>
               <a:t>Fourth level</a:t>
             </a:r>
+            <a:endParaRPr lang="en-US"/>
           </a:p>
           <a:p>
             <a:pPr lvl="4" eaLnBrk="1" latinLnBrk="0" hangingPunct="1"/>
@@ -5086,7 +5119,6 @@
                   <a:srgbClr val="464653"/>
                 </a:solidFill>
               </a:rPr>
-              <a:t>14 May 2025</a:t>
             </a:fld>
             <a:endParaRPr lang="en-US" dirty="0">
               <a:solidFill>
@@ -5154,7 +5186,6 @@
                   <a:srgbClr val="464653"/>
                 </a:solidFill>
               </a:rPr>
-              <a:t>‹#›</a:t>
             </a:fld>
             <a:endParaRPr lang="en-US" altLang="en-US">
               <a:solidFill>
@@ -5352,6 +5383,7 @@
               <a:rPr kumimoji="0" lang="en-US"/>
               <a:t>Click to edit Master title style</a:t>
             </a:r>
+            <a:endParaRPr kumimoji="0" lang="en-US"/>
           </a:p>
         </p:txBody>
       </p:sp>
@@ -5431,6 +5463,7 @@
               <a:rPr kumimoji="0" lang="en-US"/>
               <a:t>Click to edit Master text styles</a:t>
             </a:r>
+            <a:endParaRPr kumimoji="0" lang="en-US"/>
           </a:p>
         </p:txBody>
       </p:sp>
@@ -5459,7 +5492,6 @@
             </a:pPr>
             <a:fld id="{E8339EB3-ACA5-47FD-8BD1-3F380C79EF14}" type="datetime3">
               <a:rPr lang="en-US" smtClean="0"/>
-              <a:t>14 May 2025</a:t>
             </a:fld>
             <a:endParaRPr lang="en-US" dirty="0"/>
           </a:p>
@@ -5521,7 +5553,6 @@
             </a:pPr>
             <a:fld id="{BEE0AD74-942B-45F6-8EEE-203197083F56}" type="slidenum">
               <a:rPr lang="en-US" altLang="en-US" smtClean="0"/>
-              <a:t>‹#›</a:t>
             </a:fld>
             <a:endParaRPr lang="en-US" altLang="en-US"/>
           </a:p>
@@ -5668,6 +5699,7 @@
               <a:rPr kumimoji="0" lang="en-US"/>
               <a:t>Click to edit Master title style</a:t>
             </a:r>
+            <a:endParaRPr kumimoji="0" lang="en-US"/>
           </a:p>
         </p:txBody>
       </p:sp>
@@ -5691,7 +5723,6 @@
             </a:pPr>
             <a:fld id="{EB3BC824-8250-46A4-97E9-1A69B2F2FB25}" type="datetime3">
               <a:rPr lang="en-US" smtClean="0"/>
-              <a:t>14 May 2025</a:t>
             </a:fld>
             <a:endParaRPr lang="en-US" dirty="0"/>
           </a:p>
@@ -5743,7 +5774,6 @@
             </a:pPr>
             <a:fld id="{DB554FDC-F986-4516-81A3-5CBC9634E9C1}" type="slidenum">
               <a:rPr lang="en-US" altLang="en-US" smtClean="0"/>
-              <a:t>‹#›</a:t>
             </a:fld>
             <a:endParaRPr lang="en-US" altLang="en-US"/>
           </a:p>
@@ -5774,6 +5804,7 @@
               <a:rPr lang="en-US"/>
               <a:t>Click to edit Master text styles</a:t>
             </a:r>
+            <a:endParaRPr lang="en-US"/>
           </a:p>
           <a:p>
             <a:pPr lvl="1" eaLnBrk="1" latinLnBrk="0" hangingPunct="1"/>
@@ -5781,6 +5812,7 @@
               <a:rPr lang="en-US"/>
               <a:t>Second level</a:t>
             </a:r>
+            <a:endParaRPr lang="en-US"/>
           </a:p>
           <a:p>
             <a:pPr lvl="2" eaLnBrk="1" latinLnBrk="0" hangingPunct="1"/>
@@ -5788,6 +5820,7 @@
               <a:rPr lang="en-US"/>
               <a:t>Third level</a:t>
             </a:r>
+            <a:endParaRPr lang="en-US"/>
           </a:p>
           <a:p>
             <a:pPr lvl="3" eaLnBrk="1" latinLnBrk="0" hangingPunct="1"/>
@@ -5795,6 +5828,7 @@
               <a:rPr lang="en-US"/>
               <a:t>Fourth level</a:t>
             </a:r>
+            <a:endParaRPr lang="en-US"/>
           </a:p>
           <a:p>
             <a:pPr lvl="4" eaLnBrk="1" latinLnBrk="0" hangingPunct="1"/>
@@ -5831,6 +5865,7 @@
               <a:rPr lang="en-US"/>
               <a:t>Click to edit Master text styles</a:t>
             </a:r>
+            <a:endParaRPr lang="en-US"/>
           </a:p>
           <a:p>
             <a:pPr lvl="1" eaLnBrk="1" latinLnBrk="0" hangingPunct="1"/>
@@ -5838,6 +5873,7 @@
               <a:rPr lang="en-US"/>
               <a:t>Second level</a:t>
             </a:r>
+            <a:endParaRPr lang="en-US"/>
           </a:p>
           <a:p>
             <a:pPr lvl="2" eaLnBrk="1" latinLnBrk="0" hangingPunct="1"/>
@@ -5845,6 +5881,7 @@
               <a:rPr lang="en-US"/>
               <a:t>Third level</a:t>
             </a:r>
+            <a:endParaRPr lang="en-US"/>
           </a:p>
           <a:p>
             <a:pPr lvl="3" eaLnBrk="1" latinLnBrk="0" hangingPunct="1"/>
@@ -5852,6 +5889,7 @@
               <a:rPr lang="en-US"/>
               <a:t>Fourth level</a:t>
             </a:r>
+            <a:endParaRPr lang="en-US"/>
           </a:p>
           <a:p>
             <a:pPr lvl="4" eaLnBrk="1" latinLnBrk="0" hangingPunct="1"/>
@@ -5916,6 +5954,7 @@
               <a:rPr kumimoji="0" lang="en-US"/>
               <a:t>Click to edit Master title style</a:t>
             </a:r>
+            <a:endParaRPr kumimoji="0" lang="en-US"/>
           </a:p>
         </p:txBody>
       </p:sp>
@@ -5975,6 +6014,7 @@
               <a:rPr kumimoji="0" lang="en-US"/>
               <a:t>Click to edit Master text styles</a:t>
             </a:r>
+            <a:endParaRPr kumimoji="0" lang="en-US"/>
           </a:p>
         </p:txBody>
       </p:sp>
@@ -6032,6 +6072,7 @@
               <a:rPr kumimoji="0" lang="en-US"/>
               <a:t>Click to edit Master text styles</a:t>
             </a:r>
+            <a:endParaRPr kumimoji="0" lang="en-US"/>
           </a:p>
         </p:txBody>
       </p:sp>
@@ -6055,7 +6096,6 @@
             </a:pPr>
             <a:fld id="{1D371F4A-15B0-4739-9C96-5151473761C3}" type="datetime3">
               <a:rPr lang="en-US" smtClean="0"/>
-              <a:t>14 May 2025</a:t>
             </a:fld>
             <a:endParaRPr lang="en-US" dirty="0"/>
           </a:p>
@@ -6107,7 +6147,6 @@
             </a:pPr>
             <a:fld id="{02A63921-D0A8-45BD-ADF0-24CC5F135FEC}" type="slidenum">
               <a:rPr lang="en-US" altLang="en-US" smtClean="0"/>
-              <a:t>‹#›</a:t>
             </a:fld>
             <a:endParaRPr lang="en-US" altLang="en-US"/>
           </a:p>
@@ -6138,6 +6177,7 @@
               <a:rPr lang="en-US"/>
               <a:t>Click to edit Master text styles</a:t>
             </a:r>
+            <a:endParaRPr lang="en-US"/>
           </a:p>
           <a:p>
             <a:pPr lvl="1" eaLnBrk="1" latinLnBrk="0" hangingPunct="1"/>
@@ -6145,6 +6185,7 @@
               <a:rPr lang="en-US"/>
               <a:t>Second level</a:t>
             </a:r>
+            <a:endParaRPr lang="en-US"/>
           </a:p>
           <a:p>
             <a:pPr lvl="2" eaLnBrk="1" latinLnBrk="0" hangingPunct="1"/>
@@ -6152,6 +6193,7 @@
               <a:rPr lang="en-US"/>
               <a:t>Third level</a:t>
             </a:r>
+            <a:endParaRPr lang="en-US"/>
           </a:p>
           <a:p>
             <a:pPr lvl="3" eaLnBrk="1" latinLnBrk="0" hangingPunct="1"/>
@@ -6159,6 +6201,7 @@
               <a:rPr lang="en-US"/>
               <a:t>Fourth level</a:t>
             </a:r>
+            <a:endParaRPr lang="en-US"/>
           </a:p>
           <a:p>
             <a:pPr lvl="4" eaLnBrk="1" latinLnBrk="0" hangingPunct="1"/>
@@ -6195,6 +6238,7 @@
               <a:rPr lang="en-US"/>
               <a:t>Click to edit Master text styles</a:t>
             </a:r>
+            <a:endParaRPr lang="en-US"/>
           </a:p>
           <a:p>
             <a:pPr lvl="1" eaLnBrk="1" latinLnBrk="0" hangingPunct="1"/>
@@ -6202,6 +6246,7 @@
               <a:rPr lang="en-US"/>
               <a:t>Second level</a:t>
             </a:r>
+            <a:endParaRPr lang="en-US"/>
           </a:p>
           <a:p>
             <a:pPr lvl="2" eaLnBrk="1" latinLnBrk="0" hangingPunct="1"/>
@@ -6209,6 +6254,7 @@
               <a:rPr lang="en-US"/>
               <a:t>Third level</a:t>
             </a:r>
+            <a:endParaRPr lang="en-US"/>
           </a:p>
           <a:p>
             <a:pPr lvl="3" eaLnBrk="1" latinLnBrk="0" hangingPunct="1"/>
@@ -6216,6 +6262,7 @@
               <a:rPr lang="en-US"/>
               <a:t>Fourth level</a:t>
             </a:r>
+            <a:endParaRPr lang="en-US"/>
           </a:p>
           <a:p>
             <a:pPr lvl="4" eaLnBrk="1" latinLnBrk="0" hangingPunct="1"/>
@@ -6276,6 +6323,7 @@
               <a:rPr kumimoji="0" lang="en-US"/>
               <a:t>Click to edit Master title style</a:t>
             </a:r>
+            <a:endParaRPr kumimoji="0" lang="en-US"/>
           </a:p>
         </p:txBody>
       </p:sp>
@@ -6299,7 +6347,6 @@
             </a:pPr>
             <a:fld id="{66B05E16-91CD-4D24-9E72-745C6AD013E1}" type="datetime3">
               <a:rPr lang="en-US" smtClean="0"/>
-              <a:t>14 May 2025</a:t>
             </a:fld>
             <a:endParaRPr lang="en-US" dirty="0"/>
           </a:p>
@@ -6351,7 +6398,6 @@
             </a:pPr>
             <a:fld id="{4CE540F1-D866-4735-9E65-A1952EADD02D}" type="slidenum">
               <a:rPr lang="en-US" altLang="en-US" smtClean="0"/>
-              <a:t>‹#›</a:t>
             </a:fld>
             <a:endParaRPr lang="en-US" altLang="en-US"/>
           </a:p>
@@ -6452,7 +6498,6 @@
             </a:pPr>
             <a:fld id="{445D060A-EFD9-4B22-932C-C42B599DBAF2}" type="datetime3">
               <a:rPr lang="en-US" smtClean="0"/>
-              <a:t>14 May 2025</a:t>
             </a:fld>
             <a:endParaRPr lang="en-US" dirty="0"/>
           </a:p>
@@ -6504,7 +6549,6 @@
             </a:pPr>
             <a:fld id="{2571F5BB-190B-45BA-B754-2541F8CA6F46}" type="slidenum">
               <a:rPr lang="en-US" altLang="en-US" smtClean="0"/>
-              <a:t>‹#›</a:t>
             </a:fld>
             <a:endParaRPr lang="en-US" altLang="en-US"/>
           </a:p>
@@ -6659,6 +6703,7 @@
               <a:rPr kumimoji="0" lang="en-US"/>
               <a:t>Click to edit Master title style</a:t>
             </a:r>
+            <a:endParaRPr kumimoji="0" lang="en-US"/>
           </a:p>
         </p:txBody>
       </p:sp>
@@ -6718,6 +6763,7 @@
               <a:rPr kumimoji="0" lang="en-US"/>
               <a:t>Click to edit Master text styles</a:t>
             </a:r>
+            <a:endParaRPr kumimoji="0" lang="en-US"/>
           </a:p>
         </p:txBody>
       </p:sp>
@@ -6741,7 +6787,6 @@
             </a:pPr>
             <a:fld id="{60C5E58A-366D-42D7-BE35-2A21803AE55F}" type="datetime3">
               <a:rPr lang="en-US" smtClean="0"/>
-              <a:t>14 May 2025</a:t>
             </a:fld>
             <a:endParaRPr lang="en-US" dirty="0"/>
           </a:p>
@@ -6793,7 +6838,6 @@
             </a:pPr>
             <a:fld id="{4B3D1EAA-7E8D-49EA-BCBB-3C5BA424400D}" type="slidenum">
               <a:rPr lang="en-US" altLang="en-US" smtClean="0"/>
-              <a:t>‹#›</a:t>
             </a:fld>
             <a:endParaRPr lang="en-US" altLang="en-US"/>
           </a:p>
@@ -6946,6 +6990,7 @@
               <a:rPr lang="en-US"/>
               <a:t>Click to edit Master text styles</a:t>
             </a:r>
+            <a:endParaRPr lang="en-US"/>
           </a:p>
           <a:p>
             <a:pPr lvl="1" eaLnBrk="1" latinLnBrk="0" hangingPunct="1"/>
@@ -6953,6 +6998,7 @@
               <a:rPr lang="en-US"/>
               <a:t>Second level</a:t>
             </a:r>
+            <a:endParaRPr lang="en-US"/>
           </a:p>
           <a:p>
             <a:pPr lvl="2" eaLnBrk="1" latinLnBrk="0" hangingPunct="1"/>
@@ -6960,6 +7006,7 @@
               <a:rPr lang="en-US"/>
               <a:t>Third level</a:t>
             </a:r>
+            <a:endParaRPr lang="en-US"/>
           </a:p>
           <a:p>
             <a:pPr lvl="3" eaLnBrk="1" latinLnBrk="0" hangingPunct="1"/>
@@ -6967,6 +7014,7 @@
               <a:rPr lang="en-US"/>
               <a:t>Fourth level</a:t>
             </a:r>
+            <a:endParaRPr lang="en-US"/>
           </a:p>
           <a:p>
             <a:pPr lvl="4" eaLnBrk="1" latinLnBrk="0" hangingPunct="1"/>
@@ -7041,6 +7089,7 @@
               <a:rPr kumimoji="0" lang="en-US"/>
               <a:t>Click to edit Master title style</a:t>
             </a:r>
+            <a:endParaRPr kumimoji="0" lang="en-US"/>
           </a:p>
         </p:txBody>
       </p:sp>
@@ -7132,6 +7181,7 @@
               <a:rPr kumimoji="0" lang="en-US"/>
               <a:t>Click to edit Master text styles</a:t>
             </a:r>
+            <a:endParaRPr kumimoji="0" lang="en-US"/>
           </a:p>
         </p:txBody>
       </p:sp>
@@ -7155,7 +7205,6 @@
             </a:pPr>
             <a:fld id="{99D38484-2184-434F-AC88-29FFE4A0AA9F}" type="datetime3">
               <a:rPr lang="en-US" smtClean="0"/>
-              <a:t>14 May 2025</a:t>
             </a:fld>
             <a:endParaRPr lang="en-US" dirty="0"/>
           </a:p>
@@ -7207,7 +7256,6 @@
             </a:pPr>
             <a:fld id="{7B93E55C-A662-4067-BE20-A4D82E579A38}" type="slidenum">
               <a:rPr lang="en-US" altLang="en-US" smtClean="0"/>
-              <a:t>‹#›</a:t>
             </a:fld>
             <a:endParaRPr lang="en-US" altLang="en-US"/>
           </a:p>
@@ -7359,7 +7407,7 @@
     <p:bg>
       <p:bgPr>
         <a:blipFill dpi="0" rotWithShape="1">
-          <a:blip r:embed="rId13">
+          <a:blip r:embed="rId12">
             <a:alphaModFix amt="29000"/>
             <a:lum/>
           </a:blip>
@@ -7412,6 +7460,7 @@
               <a:rPr kumimoji="0" lang="en-US"/>
               <a:t>Click to edit Master title style</a:t>
             </a:r>
+            <a:endParaRPr kumimoji="0" lang="en-US"/>
           </a:p>
         </p:txBody>
       </p:sp>
@@ -7445,6 +7494,7 @@
               <a:rPr kumimoji="0" lang="en-US"/>
               <a:t>Click to edit Master text styles</a:t>
             </a:r>
+            <a:endParaRPr kumimoji="0" lang="en-US"/>
           </a:p>
           <a:p>
             <a:pPr lvl="1" eaLnBrk="1" latinLnBrk="0" hangingPunct="1"/>
@@ -7452,6 +7502,7 @@
               <a:rPr kumimoji="0" lang="en-US"/>
               <a:t>Second level</a:t>
             </a:r>
+            <a:endParaRPr kumimoji="0" lang="en-US"/>
           </a:p>
           <a:p>
             <a:pPr lvl="2" eaLnBrk="1" latinLnBrk="0" hangingPunct="1"/>
@@ -7459,6 +7510,7 @@
               <a:rPr kumimoji="0" lang="en-US"/>
               <a:t>Third level</a:t>
             </a:r>
+            <a:endParaRPr kumimoji="0" lang="en-US"/>
           </a:p>
           <a:p>
             <a:pPr lvl="3" eaLnBrk="1" latinLnBrk="0" hangingPunct="1"/>
@@ -7466,6 +7518,7 @@
               <a:rPr kumimoji="0" lang="en-US"/>
               <a:t>Fourth level</a:t>
             </a:r>
+            <a:endParaRPr kumimoji="0" lang="en-US"/>
           </a:p>
           <a:p>
             <a:pPr lvl="4" eaLnBrk="1" latinLnBrk="0" hangingPunct="1"/>
@@ -7473,6 +7526,7 @@
               <a:rPr kumimoji="0" lang="en-US"/>
               <a:t>Fifth level</a:t>
             </a:r>
+            <a:endParaRPr kumimoji="0" lang="en-US"/>
           </a:p>
         </p:txBody>
       </p:sp>
@@ -7512,7 +7566,6 @@
             </a:pPr>
             <a:fld id="{F2B7BAF5-5BC0-49B1-9197-CD06326EE3BE}" type="datetime3">
               <a:rPr lang="en-US" smtClean="0"/>
-              <a:t>14 May 2025</a:t>
             </a:fld>
             <a:endParaRPr lang="en-US" dirty="0"/>
           </a:p>
@@ -7596,7 +7649,6 @@
             </a:pPr>
             <a:fld id="{D78D2778-B29C-49DB-A26C-44F5760A332D}" type="slidenum">
               <a:rPr lang="en-US" altLang="en-US" smtClean="0"/>
-              <a:t>‹#›</a:t>
             </a:fld>
             <a:endParaRPr lang="en-US" altLang="en-US"/>
           </a:p>
@@ -8043,7 +8095,7 @@
     <p:bg>
       <p:bgPr>
         <a:blipFill dpi="0" rotWithShape="1">
-          <a:blip r:embed="rId13">
+          <a:blip r:embed="rId12">
             <a:alphaModFix amt="29000"/>
             <a:lum/>
           </a:blip>
@@ -8096,6 +8148,7 @@
               <a:rPr kumimoji="0" lang="en-US"/>
               <a:t>Click to edit Master title style</a:t>
             </a:r>
+            <a:endParaRPr kumimoji="0" lang="en-US"/>
           </a:p>
         </p:txBody>
       </p:sp>
@@ -8129,6 +8182,7 @@
               <a:rPr kumimoji="0" lang="en-US"/>
               <a:t>Click to edit Master text styles</a:t>
             </a:r>
+            <a:endParaRPr kumimoji="0" lang="en-US"/>
           </a:p>
           <a:p>
             <a:pPr lvl="1" eaLnBrk="1" latinLnBrk="0" hangingPunct="1"/>
@@ -8136,6 +8190,7 @@
               <a:rPr kumimoji="0" lang="en-US"/>
               <a:t>Second level</a:t>
             </a:r>
+            <a:endParaRPr kumimoji="0" lang="en-US"/>
           </a:p>
           <a:p>
             <a:pPr lvl="2" eaLnBrk="1" latinLnBrk="0" hangingPunct="1"/>
@@ -8143,6 +8198,7 @@
               <a:rPr kumimoji="0" lang="en-US"/>
               <a:t>Third level</a:t>
             </a:r>
+            <a:endParaRPr kumimoji="0" lang="en-US"/>
           </a:p>
           <a:p>
             <a:pPr lvl="3" eaLnBrk="1" latinLnBrk="0" hangingPunct="1"/>
@@ -8150,6 +8206,7 @@
               <a:rPr kumimoji="0" lang="en-US"/>
               <a:t>Fourth level</a:t>
             </a:r>
+            <a:endParaRPr kumimoji="0" lang="en-US"/>
           </a:p>
           <a:p>
             <a:pPr lvl="4" eaLnBrk="1" latinLnBrk="0" hangingPunct="1"/>
@@ -8157,6 +8214,7 @@
               <a:rPr kumimoji="0" lang="en-US"/>
               <a:t>Fifth level</a:t>
             </a:r>
+            <a:endParaRPr kumimoji="0" lang="en-US"/>
           </a:p>
         </p:txBody>
       </p:sp>
@@ -8200,7 +8258,6 @@
                   <a:srgbClr val="464653"/>
                 </a:solidFill>
               </a:rPr>
-              <a:t>14 May 2025</a:t>
             </a:fld>
             <a:endParaRPr lang="en-US" dirty="0">
               <a:solidFill>
@@ -8300,7 +8357,6 @@
                   <a:srgbClr val="464653"/>
                 </a:solidFill>
               </a:rPr>
-              <a:t>‹#›</a:t>
             </a:fld>
             <a:endParaRPr lang="en-US" altLang="en-US">
               <a:solidFill>
@@ -8838,6 +8894,13 @@
               </a:rPr>
               <a:t>PROJECT REVIEW-2</a:t>
             </a:r>
+            <a:endParaRPr lang="en-IN" sz="2700" b="1" dirty="0">
+              <a:solidFill>
+                <a:schemeClr val="tx1"/>
+              </a:solidFill>
+              <a:latin typeface="Times New Roman" panose="02020603050405020304" pitchFamily="18" charset="0"/>
+              <a:cs typeface="Times New Roman" panose="02020603050405020304" pitchFamily="18" charset="0"/>
+            </a:endParaRPr>
           </a:p>
         </p:txBody>
       </p:sp>
@@ -8999,6 +9062,13 @@
               </a:rPr>
               <a:t>Department of Computer Science and Engineering</a:t>
             </a:r>
+            <a:endParaRPr lang="en-US" sz="2500" b="1" dirty="0">
+              <a:solidFill>
+                <a:schemeClr val="tx1"/>
+              </a:solidFill>
+              <a:latin typeface="Times New Roman" panose="02020603050405020304" pitchFamily="18" charset="0"/>
+              <a:cs typeface="Times New Roman" panose="02020603050405020304" pitchFamily="18" charset="0"/>
+            </a:endParaRPr>
           </a:p>
           <a:p>
             <a:pPr algn="ctr">
@@ -9014,6 +9084,13 @@
               </a:rPr>
               <a:t>Academic Year: 2024 – 2025 (Even Semester)</a:t>
             </a:r>
+            <a:endParaRPr lang="en-US" sz="2500" b="1" dirty="0">
+              <a:solidFill>
+                <a:schemeClr val="tx1"/>
+              </a:solidFill>
+              <a:latin typeface="Times New Roman" panose="02020603050405020304" pitchFamily="18" charset="0"/>
+              <a:cs typeface="Times New Roman" panose="02020603050405020304" pitchFamily="18" charset="0"/>
+            </a:endParaRPr>
           </a:p>
           <a:p>
             <a:pPr algn="ctr">
@@ -9221,6 +9298,13 @@
               </a:rPr>
               <a:t> 7/5/2006</a:t>
             </a:r>
+            <a:endParaRPr lang="en-IN" altLang="en-US" sz="2500" b="1" dirty="0">
+              <a:solidFill>
+                <a:schemeClr val="tx1"/>
+              </a:solidFill>
+              <a:latin typeface="Times New Roman" panose="02020603050405020304" pitchFamily="18" charset="0"/>
+              <a:cs typeface="Times New Roman" panose="02020603050405020304" pitchFamily="18" charset="0"/>
+            </a:endParaRPr>
           </a:p>
         </p:txBody>
       </p:sp>
@@ -9244,7 +9328,6 @@
             </a:pPr>
             <a:fld id="{DB554FDC-F986-4516-81A3-5CBC9634E9C1}" type="slidenum">
               <a:rPr lang="en-US" altLang="en-US" smtClean="0"/>
-              <a:t>1</a:t>
             </a:fld>
             <a:endParaRPr lang="en-US" altLang="en-US"/>
           </a:p>
@@ -9313,6 +9396,13 @@
               </a:rPr>
               <a:t>List of Modules</a:t>
             </a:r>
+            <a:endParaRPr lang="en-IN" b="1" dirty="0">
+              <a:solidFill>
+                <a:schemeClr val="tx1"/>
+              </a:solidFill>
+              <a:latin typeface="Times New Roman" panose="02020603050405020304" pitchFamily="18" charset="0"/>
+              <a:cs typeface="Times New Roman" panose="02020603050405020304" pitchFamily="18" charset="0"/>
+            </a:endParaRPr>
           </a:p>
         </p:txBody>
       </p:sp>
@@ -9373,7 +9463,6 @@
             </a:pPr>
             <a:fld id="{0E14ABD8-B1EB-4C07-9937-C8C4E38BDF00}" type="slidenum">
               <a:rPr lang="en-US" altLang="en-US" smtClean="0"/>
-              <a:t>10</a:t>
             </a:fld>
             <a:endParaRPr lang="en-US" altLang="en-US"/>
           </a:p>
@@ -9483,7 +9572,15 @@
                 <a:cs typeface="Times New Roman" panose="02020603050405020304" pitchFamily="18" charset="0"/>
                 <a:sym typeface="+mn-ea"/>
               </a:rPr>
-              <a:t>4. Billing &amp; Payment Module  </a:t>
+              <a:t>4. </a:t>
+            </a:r>
+            <a:r>
+              <a:rPr lang="en-IN" altLang="en-US" sz="1200" dirty="0">
+                <a:latin typeface="Times New Roman" panose="02020603050405020304" pitchFamily="18" charset="0"/>
+                <a:cs typeface="Times New Roman" panose="02020603050405020304" pitchFamily="18" charset="0"/>
+                <a:sym typeface="+mn-ea"/>
+              </a:rPr>
+              <a:t>DietPlan</a:t>
             </a:r>
             <a:endParaRPr lang="en-US" altLang="en-GB" sz="1200" dirty="0">
               <a:latin typeface="Times New Roman" panose="02020603050405020304" pitchFamily="18" charset="0"/>
@@ -9500,7 +9597,7 @@
                 <a:cs typeface="Times New Roman" panose="02020603050405020304" pitchFamily="18" charset="0"/>
                 <a:sym typeface="+mn-ea"/>
               </a:rPr>
-              <a:t>5. Notifications &amp; Reports Module  </a:t>
+              <a:t>5. Reports Module  </a:t>
             </a:r>
             <a:endParaRPr lang="en-IN" sz="1200" dirty="0">
               <a:latin typeface="Times New Roman" panose="02020603050405020304" pitchFamily="18" charset="0"/>
@@ -9635,7 +9732,6 @@
             </a:pPr>
             <a:fld id="{0E14ABD8-B1EB-4C07-9937-C8C4E38BDF00}" type="slidenum">
               <a:rPr lang="en-US" altLang="en-US" smtClean="0"/>
-              <a:t>11</a:t>
             </a:fld>
             <a:endParaRPr lang="en-US" altLang="en-US"/>
           </a:p>
@@ -9709,6 +9805,10 @@
               </a:rPr>
               <a:t>- Manages user registration, login, and authentication.</a:t>
             </a:r>
+            <a:endParaRPr lang="en-US" altLang="en-US" sz="1200" dirty="0">
+              <a:latin typeface="Times New Roman" panose="02020603050405020304" pitchFamily="18" charset="0"/>
+              <a:cs typeface="Times New Roman" panose="02020603050405020304" pitchFamily="18" charset="0"/>
+            </a:endParaRPr>
           </a:p>
           <a:p>
             <a:pPr marL="0" indent="0">
@@ -9722,8 +9822,12 @@
                 <a:latin typeface="Times New Roman" panose="02020603050405020304" pitchFamily="18" charset="0"/>
                 <a:cs typeface="Times New Roman" panose="02020603050405020304" pitchFamily="18" charset="0"/>
               </a:rPr>
-              <a:t>- Allows role-based access control (admin, trainers, members).</a:t>
-            </a:r>
+              <a:t>- Allows role-based access control ( trainers, members).</a:t>
+            </a:r>
+            <a:endParaRPr lang="en-US" altLang="en-US" sz="1200" dirty="0">
+              <a:latin typeface="Times New Roman" panose="02020603050405020304" pitchFamily="18" charset="0"/>
+              <a:cs typeface="Times New Roman" panose="02020603050405020304" pitchFamily="18" charset="0"/>
+            </a:endParaRPr>
           </a:p>
           <a:p>
             <a:pPr marL="0" indent="0">
@@ -9739,6 +9843,10 @@
               </a:rPr>
               <a:t>- Stores user profiles with personal details, contact information, and preferences.</a:t>
             </a:r>
+            <a:endParaRPr lang="en-US" altLang="en-US" sz="1200" dirty="0">
+              <a:latin typeface="Times New Roman" panose="02020603050405020304" pitchFamily="18" charset="0"/>
+              <a:cs typeface="Times New Roman" panose="02020603050405020304" pitchFamily="18" charset="0"/>
+            </a:endParaRPr>
           </a:p>
           <a:p>
             <a:pPr marL="0" indent="0">
@@ -9754,6 +9862,10 @@
               </a:rPr>
               <a:t>- Provides account management features (update profile, password reset, etc.).</a:t>
             </a:r>
+            <a:endParaRPr lang="en-US" altLang="en-US" sz="1200" dirty="0">
+              <a:latin typeface="Times New Roman" panose="02020603050405020304" pitchFamily="18" charset="0"/>
+              <a:cs typeface="Times New Roman" panose="02020603050405020304" pitchFamily="18" charset="0"/>
+            </a:endParaRPr>
           </a:p>
           <a:p>
             <a:pPr marL="0" indent="0">
@@ -9793,8 +9905,12 @@
                 <a:latin typeface="Times New Roman" panose="02020603050405020304" pitchFamily="18" charset="0"/>
                 <a:cs typeface="Times New Roman" panose="02020603050405020304" pitchFamily="18" charset="0"/>
               </a:rPr>
-              <a:t>- Handles different membership plans (monthly, yearly, VIP, etc.).</a:t>
-            </a:r>
+              <a:t>- Handles different membership plans (monthly, yearly,  etc.).</a:t>
+            </a:r>
+            <a:endParaRPr lang="en-US" altLang="en-US" sz="1200" dirty="0">
+              <a:latin typeface="Times New Roman" panose="02020603050405020304" pitchFamily="18" charset="0"/>
+              <a:cs typeface="Times New Roman" panose="02020603050405020304" pitchFamily="18" charset="0"/>
+            </a:endParaRPr>
           </a:p>
           <a:p>
             <a:pPr marL="0" indent="0">
@@ -9810,6 +9926,10 @@
               </a:rPr>
               <a:t>- Allows users to purchase, renew, or cancel memberships.</a:t>
             </a:r>
+            <a:endParaRPr lang="en-US" altLang="en-US" sz="1200" dirty="0">
+              <a:latin typeface="Times New Roman" panose="02020603050405020304" pitchFamily="18" charset="0"/>
+              <a:cs typeface="Times New Roman" panose="02020603050405020304" pitchFamily="18" charset="0"/>
+            </a:endParaRPr>
           </a:p>
           <a:p>
             <a:pPr marL="0" indent="0">
@@ -9825,6 +9945,10 @@
               </a:rPr>
               <a:t>- Tracks membership expiration dates and sends renewal reminders.</a:t>
             </a:r>
+            <a:endParaRPr lang="en-US" altLang="en-US" sz="1200" dirty="0">
+              <a:latin typeface="Times New Roman" panose="02020603050405020304" pitchFamily="18" charset="0"/>
+              <a:cs typeface="Times New Roman" panose="02020603050405020304" pitchFamily="18" charset="0"/>
+            </a:endParaRPr>
           </a:p>
           <a:p>
             <a:pPr marL="0" indent="0">
@@ -9840,6 +9964,10 @@
               </a:rPr>
               <a:t>- Provides access control based on membership type.</a:t>
             </a:r>
+            <a:endParaRPr lang="en-US" altLang="en-US" sz="1200" dirty="0">
+              <a:latin typeface="Times New Roman" panose="02020603050405020304" pitchFamily="18" charset="0"/>
+              <a:cs typeface="Times New Roman" panose="02020603050405020304" pitchFamily="18" charset="0"/>
+            </a:endParaRPr>
           </a:p>
           <a:p>
             <a:pPr marL="0" indent="0">
@@ -9993,7 +10121,6 @@
             </a:pPr>
             <a:fld id="{0E14ABD8-B1EB-4C07-9937-C8C4E38BDF00}" type="slidenum">
               <a:rPr lang="en-US" altLang="en-US" smtClean="0"/>
-              <a:t>12</a:t>
             </a:fld>
             <a:endParaRPr lang="en-US" altLang="en-US"/>
           </a:p>
@@ -10098,6 +10225,10 @@
               </a:rPr>
               <a:t>Enables trainers to create and manage class schedules.</a:t>
             </a:r>
+            <a:endParaRPr sz="1200">
+              <a:latin typeface="Times New Roman" panose="02020603050405020304" pitchFamily="18" charset="0"/>
+              <a:cs typeface="Times New Roman" panose="02020603050405020304" pitchFamily="18" charset="0"/>
+            </a:endParaRPr>
           </a:p>
           <a:p>
             <a:pPr>
@@ -10111,6 +10242,10 @@
               </a:rPr>
               <a:t>Allows members to book, reschedule, or cancel class reservations.</a:t>
             </a:r>
+            <a:endParaRPr sz="1200">
+              <a:latin typeface="Times New Roman" panose="02020603050405020304" pitchFamily="18" charset="0"/>
+              <a:cs typeface="Times New Roman" panose="02020603050405020304" pitchFamily="18" charset="0"/>
+            </a:endParaRPr>
           </a:p>
           <a:p>
             <a:pPr>
@@ -10124,6 +10259,10 @@
               </a:rPr>
               <a:t>Tracks attendance and availability for each session.</a:t>
             </a:r>
+            <a:endParaRPr sz="1200">
+              <a:latin typeface="Times New Roman" panose="02020603050405020304" pitchFamily="18" charset="0"/>
+              <a:cs typeface="Times New Roman" panose="02020603050405020304" pitchFamily="18" charset="0"/>
+            </a:endParaRPr>
           </a:p>
           <a:p>
             <a:pPr>
@@ -10141,20 +10280,13 @@
               <a:buNone/>
             </a:pPr>
             <a:r>
-              <a:rPr lang="en-US" altLang="en-US" sz="1200" b="1">
+              <a:rPr lang="en-IN" sz="1200" b="1">
                 <a:latin typeface="Times New Roman" panose="02020603050405020304" pitchFamily="18" charset="0"/>
                 <a:cs typeface="Times New Roman" panose="02020603050405020304" pitchFamily="18" charset="0"/>
               </a:rPr>
-              <a:t>4. Billing &amp; Payment Module</a:t>
-            </a:r>
-            <a:r>
-              <a:rPr lang="en-IN" altLang="en-US" sz="1200" b="1">
-                <a:latin typeface="Times New Roman" panose="02020603050405020304" pitchFamily="18" charset="0"/>
-                <a:cs typeface="Times New Roman" panose="02020603050405020304" pitchFamily="18" charset="0"/>
-              </a:rPr>
-              <a:t>:</a:t>
-            </a:r>
-            <a:endParaRPr lang="en-US" altLang="en-US" sz="1200" b="1">
+              <a:t>4.Diet Plan :</a:t>
+            </a:r>
+            <a:endParaRPr sz="1200" b="1">
               <a:latin typeface="Times New Roman" panose="02020603050405020304" pitchFamily="18" charset="0"/>
               <a:cs typeface="Times New Roman" panose="02020603050405020304" pitchFamily="18" charset="0"/>
             </a:endParaRPr>
@@ -10169,8 +10301,12 @@
                 <a:latin typeface="Times New Roman" panose="02020603050405020304" pitchFamily="18" charset="0"/>
                 <a:cs typeface="Times New Roman" panose="02020603050405020304" pitchFamily="18" charset="0"/>
               </a:rPr>
-              <a:t>- Processes payments for memberships, classes, and additional services.</a:t>
-            </a:r>
+              <a:t>User Profiles: Store dietary preferences, fitness goals, allergies, and meal restrictions.</a:t>
+            </a:r>
+            <a:endParaRPr lang="en-US" altLang="en-US" sz="1200">
+              <a:latin typeface="Times New Roman" panose="02020603050405020304" pitchFamily="18" charset="0"/>
+              <a:cs typeface="Times New Roman" panose="02020603050405020304" pitchFamily="18" charset="0"/>
+            </a:endParaRPr>
           </a:p>
           <a:p>
             <a:pPr>
@@ -10182,8 +10318,12 @@
                 <a:latin typeface="Times New Roman" panose="02020603050405020304" pitchFamily="18" charset="0"/>
                 <a:cs typeface="Times New Roman" panose="02020603050405020304" pitchFamily="18" charset="0"/>
               </a:rPr>
-              <a:t>- Supports multiple payment methods (credit card, UPI, bank transfer, etc.).</a:t>
-            </a:r>
+              <a:t>Meal Plans: Predefined or customizable meal plans based on user goals (e.g., weight loss, muscle gain).</a:t>
+            </a:r>
+            <a:endParaRPr lang="en-US" altLang="en-US" sz="1200">
+              <a:latin typeface="Times New Roman" panose="02020603050405020304" pitchFamily="18" charset="0"/>
+              <a:cs typeface="Times New Roman" panose="02020603050405020304" pitchFamily="18" charset="0"/>
+            </a:endParaRPr>
           </a:p>
           <a:p>
             <a:pPr>
@@ -10195,8 +10335,12 @@
                 <a:latin typeface="Times New Roman" panose="02020603050405020304" pitchFamily="18" charset="0"/>
                 <a:cs typeface="Times New Roman" panose="02020603050405020304" pitchFamily="18" charset="0"/>
               </a:rPr>
-              <a:t>- Generates invoices and payment receipts.</a:t>
-            </a:r>
+              <a:t>Nutritional Tracking: Calories, macros, and hydration tracking.</a:t>
+            </a:r>
+            <a:endParaRPr lang="en-US" altLang="en-US" sz="1200">
+              <a:latin typeface="Times New Roman" panose="02020603050405020304" pitchFamily="18" charset="0"/>
+              <a:cs typeface="Times New Roman" panose="02020603050405020304" pitchFamily="18" charset="0"/>
+            </a:endParaRPr>
           </a:p>
           <a:p>
             <a:pPr>
@@ -10218,7 +10362,7 @@
                 <a:latin typeface="Times New Roman" panose="02020603050405020304" pitchFamily="18" charset="0"/>
                 <a:cs typeface="Times New Roman" panose="02020603050405020304" pitchFamily="18" charset="0"/>
               </a:rPr>
-              <a:t>5. Notifications &amp; Reports Module</a:t>
+              <a:t>5.  Reports Module</a:t>
             </a:r>
             <a:r>
               <a:rPr lang="en-IN" altLang="en-US" sz="1200" b="1">
@@ -10242,21 +10386,12 @@
                 <a:latin typeface="Times New Roman" panose="02020603050405020304" pitchFamily="18" charset="0"/>
                 <a:cs typeface="Times New Roman" panose="02020603050405020304" pitchFamily="18" charset="0"/>
               </a:rPr>
-              <a:t>- Sends automated email/SMS notifications for membership renewals, class bookings, and payment updates.</a:t>
-            </a:r>
-          </a:p>
-          <a:p>
-            <a:pPr>
-              <a:buFont typeface="Arial" panose="020B0604020202020204"/>
-              <a:buChar char="•"/>
-            </a:pPr>
-            <a:r>
-              <a:rPr lang="en-US" altLang="en-US" sz="1200">
-                <a:latin typeface="Times New Roman" panose="02020603050405020304" pitchFamily="18" charset="0"/>
-                <a:cs typeface="Times New Roman" panose="02020603050405020304" pitchFamily="18" charset="0"/>
-              </a:rPr>
               <a:t>- Generates analytical reports on user activity, revenue, and attendance trends.</a:t>
             </a:r>
+            <a:endParaRPr lang="en-US" altLang="en-US" sz="1200">
+              <a:latin typeface="Times New Roman" panose="02020603050405020304" pitchFamily="18" charset="0"/>
+              <a:cs typeface="Times New Roman" panose="02020603050405020304" pitchFamily="18" charset="0"/>
+            </a:endParaRPr>
           </a:p>
           <a:p>
             <a:pPr>
@@ -10270,19 +10405,10 @@
               </a:rPr>
               <a:t>- Provides insights into business performance and growth metrics.</a:t>
             </a:r>
-          </a:p>
-          <a:p>
-            <a:pPr>
-              <a:buFont typeface="Arial" panose="020B0604020202020204"/>
-              <a:buChar char="•"/>
-            </a:pPr>
-            <a:r>
-              <a:rPr lang="en-US" altLang="en-US" sz="1200">
-                <a:latin typeface="Times New Roman" panose="02020603050405020304" pitchFamily="18" charset="0"/>
-                <a:cs typeface="Times New Roman" panose="02020603050405020304" pitchFamily="18" charset="0"/>
-              </a:rPr>
-              <a:t>- Allows admins to customize report formats and export data.</a:t>
-            </a:r>
+            <a:endParaRPr lang="en-US" altLang="en-US" sz="1200">
+              <a:latin typeface="Times New Roman" panose="02020603050405020304" pitchFamily="18" charset="0"/>
+              <a:cs typeface="Times New Roman" panose="02020603050405020304" pitchFamily="18" charset="0"/>
+            </a:endParaRPr>
           </a:p>
           <a:p>
             <a:pPr>
@@ -10451,7 +10577,6 @@
             </a:pPr>
             <a:fld id="{0E14ABD8-B1EB-4C07-9937-C8C4E38BDF00}" type="slidenum">
               <a:rPr lang="en-US" altLang="en-US" smtClean="0"/>
-              <a:t>13</a:t>
             </a:fld>
             <a:endParaRPr lang="en-US" altLang="en-US"/>
           </a:p>
@@ -10538,6 +10663,10 @@
               </a:rPr>
               <a:t>XAMPP</a:t>
             </a:r>
+            <a:endParaRPr lang="en-IN" altLang="en-GB" dirty="0">
+              <a:latin typeface="Times New Roman" panose="02020603050405020304" pitchFamily="18" charset="0"/>
+              <a:cs typeface="Times New Roman" panose="02020603050405020304" pitchFamily="18" charset="0"/>
+            </a:endParaRPr>
           </a:p>
         </p:txBody>
       </p:sp>
@@ -10667,7 +10796,6 @@
             </a:pPr>
             <a:fld id="{0E14ABD8-B1EB-4C07-9937-C8C4E38BDF00}" type="slidenum">
               <a:rPr lang="en-US" altLang="en-US" smtClean="0"/>
-              <a:t>14</a:t>
             </a:fld>
             <a:endParaRPr lang="en-US" altLang="en-US"/>
           </a:p>
@@ -10698,6 +10826,10 @@
               </a:rPr>
               <a:t>REGISTER AND LOGIN:</a:t>
             </a:r>
+            <a:endParaRPr lang="en-GB" altLang="en-US" sz="1200" b="1" dirty="0">
+              <a:latin typeface="Times New Roman" panose="02020603050405020304" pitchFamily="18" charset="0"/>
+              <a:cs typeface="Times New Roman" panose="02020603050405020304" pitchFamily="18" charset="0"/>
+            </a:endParaRPr>
           </a:p>
           <a:p>
             <a:pPr marL="0" indent="0">
@@ -10722,6 +10854,30 @@
       <p:pic>
         <p:nvPicPr>
           <p:cNvPr id="7" name="Picture 6"/>
+          <p:cNvPicPr>
+            <a:picLocks noChangeAspect="1"/>
+          </p:cNvPicPr>
+          <p:nvPr/>
+        </p:nvPicPr>
+        <p:blipFill>
+          <a:blip r:embed="rId1"/>
+          <a:stretch>
+            <a:fillRect/>
+          </a:stretch>
+        </p:blipFill>
+        <p:spPr>
+          <a:xfrm>
+            <a:off x="228600" y="1249680"/>
+            <a:ext cx="3905885" cy="2759710"/>
+          </a:xfrm>
+          <a:prstGeom prst="rect">
+            <a:avLst/>
+          </a:prstGeom>
+        </p:spPr>
+      </p:pic>
+      <p:pic>
+        <p:nvPicPr>
+          <p:cNvPr id="8" name="Picture 7"/>
           <p:cNvPicPr>
             <a:picLocks noChangeAspect="1"/>
           </p:cNvPicPr>
@@ -10735,30 +10891,6 @@
         </p:blipFill>
         <p:spPr>
           <a:xfrm>
-            <a:off x="228600" y="1249680"/>
-            <a:ext cx="3905885" cy="2759710"/>
-          </a:xfrm>
-          <a:prstGeom prst="rect">
-            <a:avLst/>
-          </a:prstGeom>
-        </p:spPr>
-      </p:pic>
-      <p:pic>
-        <p:nvPicPr>
-          <p:cNvPr id="8" name="Picture 7"/>
-          <p:cNvPicPr>
-            <a:picLocks noChangeAspect="1"/>
-          </p:cNvPicPr>
-          <p:nvPr/>
-        </p:nvPicPr>
-        <p:blipFill>
-          <a:blip r:embed="rId3"/>
-          <a:stretch>
-            <a:fillRect/>
-          </a:stretch>
-        </p:blipFill>
-        <p:spPr>
-          <a:xfrm>
             <a:off x="5181600" y="857250"/>
             <a:ext cx="2553335" cy="1884045"/>
           </a:xfrm>
@@ -10776,7 +10908,7 @@
           <p:nvPr/>
         </p:nvPicPr>
         <p:blipFill>
-          <a:blip r:embed="rId4"/>
+          <a:blip r:embed="rId3"/>
           <a:stretch>
             <a:fillRect/>
           </a:stretch>
@@ -10881,7 +11013,6 @@
             </a:pPr>
             <a:fld id="{0E14ABD8-B1EB-4C07-9937-C8C4E38BDF00}" type="slidenum">
               <a:rPr lang="en-US" altLang="en-US" smtClean="0"/>
-              <a:t>15</a:t>
             </a:fld>
             <a:endParaRPr lang="en-US" altLang="en-US"/>
           </a:p>
@@ -10898,7 +11029,7 @@
           </p:nvPr>
         </p:nvPicPr>
         <p:blipFill>
-          <a:blip r:embed="rId2"/>
+          <a:blip r:embed="rId1"/>
           <a:stretch>
             <a:fillRect/>
           </a:stretch>
@@ -10986,7 +11117,7 @@
           <p:nvPr/>
         </p:nvPicPr>
         <p:blipFill>
-          <a:blip r:embed="rId3"/>
+          <a:blip r:embed="rId2"/>
           <a:stretch>
             <a:fillRect/>
           </a:stretch>
@@ -11127,7 +11258,6 @@
             </a:pPr>
             <a:fld id="{0E14ABD8-B1EB-4C07-9937-C8C4E38BDF00}" type="slidenum">
               <a:rPr lang="en-US" altLang="en-US" smtClean="0"/>
-              <a:t>16</a:t>
             </a:fld>
             <a:endParaRPr lang="en-US" altLang="en-US"/>
           </a:p>
@@ -11163,6 +11293,10 @@
               </a:rPr>
               <a:t>REQUEST FOR THE SERVICE:</a:t>
             </a:r>
+            <a:endParaRPr lang="en-GB" altLang="en-US" sz="1200" b="1" dirty="0">
+              <a:latin typeface="Times New Roman" panose="02020603050405020304" pitchFamily="18" charset="0"/>
+              <a:cs typeface="Times New Roman" panose="02020603050405020304" pitchFamily="18" charset="0"/>
+            </a:endParaRPr>
           </a:p>
         </p:txBody>
       </p:sp>
@@ -11175,7 +11309,7 @@
           <p:nvPr/>
         </p:nvPicPr>
         <p:blipFill>
-          <a:blip r:embed="rId2"/>
+          <a:blip r:embed="rId1"/>
           <a:stretch>
             <a:fillRect/>
           </a:stretch>
@@ -11199,7 +11333,7 @@
           <p:nvPr/>
         </p:nvPicPr>
         <p:blipFill>
-          <a:blip r:embed="rId3"/>
+          <a:blip r:embed="rId2"/>
           <a:stretch>
             <a:fillRect/>
           </a:stretch>
@@ -11340,7 +11474,6 @@
             </a:pPr>
             <a:fld id="{0E14ABD8-B1EB-4C07-9937-C8C4E38BDF00}" type="slidenum">
               <a:rPr lang="en-US" altLang="en-US" smtClean="0"/>
-              <a:t>17</a:t>
             </a:fld>
             <a:endParaRPr lang="en-US" altLang="en-US"/>
           </a:p>
@@ -11548,7 +11681,6 @@
                 <a:latin typeface="Times New Roman" panose="02020603050405020304" pitchFamily="18" charset="0"/>
                 <a:cs typeface="Times New Roman" panose="02020603050405020304" pitchFamily="18" charset="0"/>
               </a:rPr>
-              <a:t>18</a:t>
             </a:fld>
             <a:endParaRPr lang="en-US" altLang="en-US" sz="1200" b="1" dirty="0">
               <a:latin typeface="Times New Roman" panose="02020603050405020304" pitchFamily="18" charset="0"/>
@@ -11674,6 +11806,13 @@
               </a:rPr>
               <a:t>Any queries??? </a:t>
             </a:r>
+            <a:endParaRPr lang="en-IN" sz="3600" b="1" dirty="0">
+              <a:solidFill>
+                <a:schemeClr val="tx1"/>
+              </a:solidFill>
+              <a:latin typeface="Times New Roman" panose="02020603050405020304" pitchFamily="18" charset="0"/>
+              <a:cs typeface="Times New Roman" panose="02020603050405020304" pitchFamily="18" charset="0"/>
+            </a:endParaRPr>
           </a:p>
         </p:txBody>
       </p:sp>
@@ -11805,7 +11944,6 @@
           <a:p>
             <a:fld id="{C8B3AA75-1EA1-4A20-9182-A423EE2FFA8F}" type="slidenum">
               <a:rPr lang="en-US" altLang="en-US"/>
-              <a:t>2</a:t>
             </a:fld>
             <a:endParaRPr lang="en-US" altLang="en-US"/>
           </a:p>
@@ -11841,6 +11979,10 @@
               </a:rPr>
               <a:t>GYM MEMBERSHIP MANAGEMENT</a:t>
             </a:r>
+            <a:endParaRPr lang="en-IN" dirty="0">
+              <a:latin typeface="Times New Roman" panose="02020603050405020304" pitchFamily="18" charset="0"/>
+              <a:cs typeface="Times New Roman" panose="02020603050405020304" pitchFamily="18" charset="0"/>
+            </a:endParaRPr>
           </a:p>
         </p:txBody>
       </p:sp>
@@ -11984,7 +12126,6 @@
             </a:pPr>
             <a:fld id="{0E14ABD8-B1EB-4C07-9937-C8C4E38BDF00}" type="slidenum">
               <a:rPr lang="en-US" altLang="en-US" smtClean="0"/>
-              <a:t>3</a:t>
             </a:fld>
             <a:endParaRPr lang="en-US" altLang="en-US" dirty="0"/>
           </a:p>
@@ -12189,7 +12330,6 @@
           <a:p>
             <a:fld id="{C8B3AA75-1EA1-4A20-9182-A423EE2FFA8F}" type="slidenum">
               <a:rPr lang="en-US" altLang="en-US"/>
-              <a:t>4</a:t>
             </a:fld>
             <a:endParaRPr lang="en-US" altLang="en-US"/>
           </a:p>
@@ -12364,34 +12504,10 @@
                 <a:tableStyleId>{5C22544A-7EE6-4342-B048-85BDC9FD1C3A}</a:tableStyleId>
               </a:tblPr>
               <a:tblGrid>
-                <a:gridCol w="5283200">
-                  <a:extLst>
-                    <a:ext uri="{9D8B030D-6E8A-4147-A177-3AD203B41FA5}">
-                      <a16:colId xmlns:a16="http://schemas.microsoft.com/office/drawing/2014/main" val="20000"/>
-                    </a:ext>
-                  </a:extLst>
-                </a:gridCol>
-                <a:gridCol w="960755">
-                  <a:extLst>
-                    <a:ext uri="{9D8B030D-6E8A-4147-A177-3AD203B41FA5}">
-                      <a16:colId xmlns:a16="http://schemas.microsoft.com/office/drawing/2014/main" val="20001"/>
-                    </a:ext>
-                  </a:extLst>
-                </a:gridCol>
-                <a:gridCol w="1071245">
-                  <a:extLst>
-                    <a:ext uri="{9D8B030D-6E8A-4147-A177-3AD203B41FA5}">
-                      <a16:colId xmlns:a16="http://schemas.microsoft.com/office/drawing/2014/main" val="20002"/>
-                    </a:ext>
-                  </a:extLst>
-                </a:gridCol>
-                <a:gridCol w="838200">
-                  <a:extLst>
-                    <a:ext uri="{9D8B030D-6E8A-4147-A177-3AD203B41FA5}">
-                      <a16:colId xmlns:a16="http://schemas.microsoft.com/office/drawing/2014/main" val="20003"/>
-                    </a:ext>
-                  </a:extLst>
-                </a:gridCol>
+                <a:gridCol w="5283200"/>
+                <a:gridCol w="960755"/>
+                <a:gridCol w="1071245"/>
+                <a:gridCol w="838200"/>
               </a:tblGrid>
               <a:tr h="438734">
                 <a:tc>
@@ -12410,6 +12526,13 @@
                         </a:rPr>
                         <a:t>Abstract</a:t>
                       </a:r>
+                      <a:endParaRPr lang="en-US" sz="1800" dirty="0">
+                        <a:solidFill>
+                          <a:schemeClr val="tx1"/>
+                        </a:solidFill>
+                        <a:latin typeface="Times New Roman" panose="02020603050405020304" pitchFamily="18" charset="0"/>
+                        <a:cs typeface="Times New Roman" panose="02020603050405020304" pitchFamily="18" charset="0"/>
+                      </a:endParaRPr>
                     </a:p>
                   </a:txBody>
                   <a:tcPr>
@@ -12434,6 +12557,13 @@
                         </a:rPr>
                         <a:t>CO</a:t>
                       </a:r>
+                      <a:endParaRPr lang="en-US" sz="1800" dirty="0">
+                        <a:solidFill>
+                          <a:schemeClr val="tx1"/>
+                        </a:solidFill>
+                        <a:latin typeface="Times New Roman" panose="02020603050405020304" pitchFamily="18" charset="0"/>
+                        <a:cs typeface="Times New Roman" panose="02020603050405020304" pitchFamily="18" charset="0"/>
+                      </a:endParaRPr>
                     </a:p>
                   </a:txBody>
                   <a:tcPr>
@@ -12458,6 +12588,13 @@
                         </a:rPr>
                         <a:t>POs</a:t>
                       </a:r>
+                      <a:endParaRPr lang="en-US" sz="1800" dirty="0">
+                        <a:solidFill>
+                          <a:schemeClr val="tx1"/>
+                        </a:solidFill>
+                        <a:latin typeface="Times New Roman" panose="02020603050405020304" pitchFamily="18" charset="0"/>
+                        <a:cs typeface="Times New Roman" panose="02020603050405020304" pitchFamily="18" charset="0"/>
+                      </a:endParaRPr>
                     </a:p>
                   </a:txBody>
                   <a:tcPr>
@@ -12482,6 +12619,13 @@
                         </a:rPr>
                         <a:t>PSO</a:t>
                       </a:r>
+                      <a:endParaRPr lang="en-US" sz="1800" dirty="0">
+                        <a:solidFill>
+                          <a:schemeClr val="tx1"/>
+                        </a:solidFill>
+                        <a:latin typeface="Times New Roman" panose="02020603050405020304" pitchFamily="18" charset="0"/>
+                        <a:cs typeface="Times New Roman" panose="02020603050405020304" pitchFamily="18" charset="0"/>
+                      </a:endParaRPr>
                     </a:p>
                   </a:txBody>
                   <a:tcPr>
@@ -12490,11 +12634,6 @@
                     </a:solidFill>
                   </a:tcPr>
                 </a:tc>
-                <a:extLst>
-                  <a:ext uri="{0D108BD9-81ED-4DB2-BD59-A6C34878D82A}">
-                    <a16:rowId xmlns:a16="http://schemas.microsoft.com/office/drawing/2014/main" val="10000"/>
-                  </a:ext>
-                </a:extLst>
               </a:tr>
               <a:tr h="2799768">
                 <a:tc>
@@ -12553,6 +12692,13 @@
                         </a:rPr>
                         <a:t>CO -1</a:t>
                       </a:r>
+                      <a:endParaRPr lang="en-GB" altLang="en-US" sz="1200" dirty="0">
+                        <a:solidFill>
+                          <a:schemeClr val="tx1"/>
+                        </a:solidFill>
+                        <a:latin typeface="Times New Roman" panose="02020603050405020304" pitchFamily="18" charset="0"/>
+                        <a:cs typeface="Times New Roman" panose="02020603050405020304" pitchFamily="18" charset="0"/>
+                      </a:endParaRPr>
                     </a:p>
                     <a:p>
                       <a:pPr>
@@ -12570,6 +12716,13 @@
                         </a:rPr>
                         <a:t>CO -2</a:t>
                       </a:r>
+                      <a:endParaRPr lang="en-GB" altLang="en-US" sz="1200" dirty="0">
+                        <a:solidFill>
+                          <a:schemeClr val="tx1"/>
+                        </a:solidFill>
+                        <a:latin typeface="Times New Roman" panose="02020603050405020304" pitchFamily="18" charset="0"/>
+                        <a:cs typeface="Times New Roman" panose="02020603050405020304" pitchFamily="18" charset="0"/>
+                      </a:endParaRPr>
                     </a:p>
                     <a:p>
                       <a:pPr>
@@ -12587,6 +12740,13 @@
                         </a:rPr>
                         <a:t>CO -3</a:t>
                       </a:r>
+                      <a:endParaRPr lang="en-GB" altLang="en-US" sz="1200" dirty="0">
+                        <a:solidFill>
+                          <a:schemeClr val="tx1"/>
+                        </a:solidFill>
+                        <a:latin typeface="Times New Roman" panose="02020603050405020304" pitchFamily="18" charset="0"/>
+                        <a:cs typeface="Times New Roman" panose="02020603050405020304" pitchFamily="18" charset="0"/>
+                      </a:endParaRPr>
                     </a:p>
                     <a:p>
                       <a:pPr>
@@ -12604,6 +12764,13 @@
                         </a:rPr>
                         <a:t>CO -4</a:t>
                       </a:r>
+                      <a:endParaRPr lang="en-GB" altLang="en-US" sz="1200" dirty="0">
+                        <a:solidFill>
+                          <a:schemeClr val="tx1"/>
+                        </a:solidFill>
+                        <a:latin typeface="Times New Roman" panose="02020603050405020304" pitchFamily="18" charset="0"/>
+                        <a:cs typeface="Times New Roman" panose="02020603050405020304" pitchFamily="18" charset="0"/>
+                      </a:endParaRPr>
                     </a:p>
                   </a:txBody>
                   <a:tcPr>
@@ -12632,6 +12799,13 @@
                         </a:rPr>
                         <a:t>PO1 [2]</a:t>
                       </a:r>
+                      <a:endParaRPr lang="en-US" altLang="en-GB" sz="1200" dirty="0">
+                        <a:solidFill>
+                          <a:schemeClr val="tx1"/>
+                        </a:solidFill>
+                        <a:latin typeface="Times New Roman" panose="02020603050405020304" pitchFamily="18" charset="0"/>
+                        <a:cs typeface="Times New Roman" panose="02020603050405020304" pitchFamily="18" charset="0"/>
+                      </a:endParaRPr>
                     </a:p>
                     <a:p>
                       <a:pPr>
@@ -12649,6 +12823,13 @@
                         </a:rPr>
                         <a:t>PO2 [2]</a:t>
                       </a:r>
+                      <a:endParaRPr lang="en-US" altLang="en-GB" sz="1200" dirty="0">
+                        <a:solidFill>
+                          <a:schemeClr val="tx1"/>
+                        </a:solidFill>
+                        <a:latin typeface="Times New Roman" panose="02020603050405020304" pitchFamily="18" charset="0"/>
+                        <a:cs typeface="Times New Roman" panose="02020603050405020304" pitchFamily="18" charset="0"/>
+                      </a:endParaRPr>
                     </a:p>
                     <a:p>
                       <a:pPr>
@@ -12666,6 +12847,13 @@
                         </a:rPr>
                         <a:t>PO3 [3]</a:t>
                       </a:r>
+                      <a:endParaRPr lang="en-US" altLang="en-GB" sz="1200" dirty="0">
+                        <a:solidFill>
+                          <a:schemeClr val="tx1"/>
+                        </a:solidFill>
+                        <a:latin typeface="Times New Roman" panose="02020603050405020304" pitchFamily="18" charset="0"/>
+                        <a:cs typeface="Times New Roman" panose="02020603050405020304" pitchFamily="18" charset="0"/>
+                      </a:endParaRPr>
                     </a:p>
                     <a:p>
                       <a:pPr>
@@ -12683,6 +12871,13 @@
                         </a:rPr>
                         <a:t>PO4 [2]</a:t>
                       </a:r>
+                      <a:endParaRPr lang="en-US" altLang="en-GB" sz="1200" dirty="0">
+                        <a:solidFill>
+                          <a:schemeClr val="tx1"/>
+                        </a:solidFill>
+                        <a:latin typeface="Times New Roman" panose="02020603050405020304" pitchFamily="18" charset="0"/>
+                        <a:cs typeface="Times New Roman" panose="02020603050405020304" pitchFamily="18" charset="0"/>
+                      </a:endParaRPr>
                     </a:p>
                     <a:p>
                       <a:pPr>
@@ -12700,6 +12895,13 @@
                         </a:rPr>
                         <a:t>PO5 [3]</a:t>
                       </a:r>
+                      <a:endParaRPr lang="en-US" altLang="en-GB" sz="1200" dirty="0">
+                        <a:solidFill>
+                          <a:schemeClr val="tx1"/>
+                        </a:solidFill>
+                        <a:latin typeface="Times New Roman" panose="02020603050405020304" pitchFamily="18" charset="0"/>
+                        <a:cs typeface="Times New Roman" panose="02020603050405020304" pitchFamily="18" charset="0"/>
+                      </a:endParaRPr>
                     </a:p>
                     <a:p>
                       <a:pPr>
@@ -12717,6 +12919,13 @@
                         </a:rPr>
                         <a:t>PO6 [1]</a:t>
                       </a:r>
+                      <a:endParaRPr lang="en-US" altLang="en-GB" sz="1200" dirty="0">
+                        <a:solidFill>
+                          <a:schemeClr val="tx1"/>
+                        </a:solidFill>
+                        <a:latin typeface="Times New Roman" panose="02020603050405020304" pitchFamily="18" charset="0"/>
+                        <a:cs typeface="Times New Roman" panose="02020603050405020304" pitchFamily="18" charset="0"/>
+                      </a:endParaRPr>
                     </a:p>
                     <a:p>
                       <a:pPr>
@@ -12734,6 +12943,13 @@
                         </a:rPr>
                         <a:t>PO7 [1]</a:t>
                       </a:r>
+                      <a:endParaRPr lang="en-US" altLang="en-GB" sz="1200" dirty="0">
+                        <a:solidFill>
+                          <a:schemeClr val="tx1"/>
+                        </a:solidFill>
+                        <a:latin typeface="Times New Roman" panose="02020603050405020304" pitchFamily="18" charset="0"/>
+                        <a:cs typeface="Times New Roman" panose="02020603050405020304" pitchFamily="18" charset="0"/>
+                      </a:endParaRPr>
                     </a:p>
                     <a:p>
                       <a:pPr>
@@ -12751,6 +12967,13 @@
                         </a:rPr>
                         <a:t>PO8 [2]</a:t>
                       </a:r>
+                      <a:endParaRPr lang="en-US" altLang="en-GB" sz="1200" dirty="0">
+                        <a:solidFill>
+                          <a:schemeClr val="tx1"/>
+                        </a:solidFill>
+                        <a:latin typeface="Times New Roman" panose="02020603050405020304" pitchFamily="18" charset="0"/>
+                        <a:cs typeface="Times New Roman" panose="02020603050405020304" pitchFamily="18" charset="0"/>
+                      </a:endParaRPr>
                     </a:p>
                     <a:p>
                       <a:pPr>
@@ -12768,6 +12991,13 @@
                         </a:rPr>
                         <a:t>PO9 [2] </a:t>
                       </a:r>
+                      <a:endParaRPr lang="en-US" altLang="en-GB" sz="1200" dirty="0">
+                        <a:solidFill>
+                          <a:schemeClr val="tx1"/>
+                        </a:solidFill>
+                        <a:latin typeface="Times New Roman" panose="02020603050405020304" pitchFamily="18" charset="0"/>
+                        <a:cs typeface="Times New Roman" panose="02020603050405020304" pitchFamily="18" charset="0"/>
+                      </a:endParaRPr>
                     </a:p>
                     <a:p>
                       <a:pPr>
@@ -12805,6 +13035,13 @@
                         </a:rPr>
                         <a:t>[2]</a:t>
                       </a:r>
+                      <a:endParaRPr lang="en-US" altLang="en-GB" sz="1200" dirty="0">
+                        <a:solidFill>
+                          <a:schemeClr val="tx1"/>
+                        </a:solidFill>
+                        <a:latin typeface="Times New Roman" panose="02020603050405020304" pitchFamily="18" charset="0"/>
+                        <a:cs typeface="Times New Roman" panose="02020603050405020304" pitchFamily="18" charset="0"/>
+                      </a:endParaRPr>
                     </a:p>
                     <a:p>
                       <a:pPr>
@@ -12852,6 +13089,13 @@
                         </a:rPr>
                         <a:t>[3]</a:t>
                       </a:r>
+                      <a:endParaRPr lang="en-US" altLang="en-GB" sz="1200" dirty="0">
+                        <a:solidFill>
+                          <a:schemeClr val="tx1"/>
+                        </a:solidFill>
+                        <a:latin typeface="Times New Roman" panose="02020603050405020304" pitchFamily="18" charset="0"/>
+                        <a:cs typeface="Times New Roman" panose="02020603050405020304" pitchFamily="18" charset="0"/>
+                      </a:endParaRPr>
                     </a:p>
                     <a:p>
                       <a:pPr>
@@ -12879,6 +13123,13 @@
                         </a:rPr>
                         <a:t>]</a:t>
                       </a:r>
+                      <a:endParaRPr lang="en-GB" altLang="en-US" sz="1200" dirty="0">
+                        <a:solidFill>
+                          <a:schemeClr val="tx1"/>
+                        </a:solidFill>
+                        <a:latin typeface="Times New Roman" panose="02020603050405020304" pitchFamily="18" charset="0"/>
+                        <a:cs typeface="Times New Roman" panose="02020603050405020304" pitchFamily="18" charset="0"/>
+                      </a:endParaRPr>
                     </a:p>
                   </a:txBody>
                   <a:tcPr>
@@ -12907,6 +13158,13 @@
                         </a:rPr>
                         <a:t>PSO1 [3]</a:t>
                       </a:r>
+                      <a:endParaRPr lang="en-GB" altLang="en-US" sz="1200" dirty="0">
+                        <a:solidFill>
+                          <a:schemeClr val="tx1"/>
+                        </a:solidFill>
+                        <a:latin typeface="Times New Roman" panose="02020603050405020304" pitchFamily="18" charset="0"/>
+                        <a:cs typeface="Times New Roman" panose="02020603050405020304" pitchFamily="18" charset="0"/>
+                      </a:endParaRPr>
                     </a:p>
                     <a:p>
                       <a:pPr>
@@ -12924,6 +13182,13 @@
                         </a:rPr>
                         <a:t>PSO2 [2]</a:t>
                       </a:r>
+                      <a:endParaRPr lang="en-GB" altLang="en-US" sz="1200" dirty="0">
+                        <a:solidFill>
+                          <a:schemeClr val="tx1"/>
+                        </a:solidFill>
+                        <a:latin typeface="Times New Roman" panose="02020603050405020304" pitchFamily="18" charset="0"/>
+                        <a:cs typeface="Times New Roman" panose="02020603050405020304" pitchFamily="18" charset="0"/>
+                      </a:endParaRPr>
                     </a:p>
                   </a:txBody>
                   <a:tcPr>
@@ -12932,11 +13197,6 @@
                     </a:solidFill>
                   </a:tcPr>
                 </a:tc>
-                <a:extLst>
-                  <a:ext uri="{0D108BD9-81ED-4DB2-BD59-A6C34878D82A}">
-                    <a16:rowId xmlns:a16="http://schemas.microsoft.com/office/drawing/2014/main" val="10001"/>
-                  </a:ext>
-                </a:extLst>
               </a:tr>
             </a:tbl>
           </a:graphicData>
@@ -13072,7 +13332,6 @@
             </a:pPr>
             <a:fld id="{0E14ABD8-B1EB-4C07-9937-C8C4E38BDF00}" type="slidenum">
               <a:rPr lang="en-US" altLang="en-US" smtClean="0"/>
-              <a:t>5</a:t>
             </a:fld>
             <a:endParaRPr lang="en-US" altLang="en-US"/>
           </a:p>
@@ -13299,7 +13558,6 @@
             </a:pPr>
             <a:fld id="{0E14ABD8-B1EB-4C07-9937-C8C4E38BDF00}" type="slidenum">
               <a:rPr lang="en-US" altLang="en-US" smtClean="0"/>
-              <a:t>6</a:t>
             </a:fld>
             <a:endParaRPr lang="en-US" altLang="en-US"/>
           </a:p>
@@ -13566,7 +13824,6 @@
                   <a:srgbClr val="464653"/>
                 </a:solidFill>
               </a:rPr>
-              <a:t>7</a:t>
             </a:fld>
             <a:endParaRPr lang="en-US" altLang="en-US">
               <a:solidFill>
@@ -13609,6 +13866,13 @@
               </a:rPr>
               <a:t>CGB1221 – DATABASE MANAGEMENT SYSTEMS –PROJECT REVIEW 2</a:t>
             </a:r>
+            <a:endParaRPr lang="en-US" sz="1100" b="1" dirty="0">
+              <a:solidFill>
+                <a:schemeClr val="tx1"/>
+              </a:solidFill>
+              <a:latin typeface="Times New Roman" panose="02020603050405020304" pitchFamily="18" charset="0"/>
+              <a:cs typeface="Times New Roman" panose="02020603050405020304" pitchFamily="18" charset="0"/>
+            </a:endParaRPr>
           </a:p>
         </p:txBody>
       </p:sp>
@@ -13729,7 +13993,6 @@
             </a:pPr>
             <a:fld id="{0E14ABD8-B1EB-4C07-9937-C8C4E38BDF00}" type="slidenum">
               <a:rPr lang="en-US" altLang="en-US" smtClean="0"/>
-              <a:t>7</a:t>
             </a:fld>
             <a:endParaRPr lang="en-US" altLang="en-US"/>
           </a:p>
@@ -13773,6 +14036,7 @@
               <a:rPr lang="en-IN" sz="1000" dirty="0"/>
               <a:t>Register</a:t>
             </a:r>
+            <a:endParaRPr lang="en-IN" sz="1000" dirty="0"/>
           </a:p>
         </p:txBody>
       </p:sp>
@@ -13844,6 +14108,7 @@
               <a:rPr lang="en-IN" sz="800" dirty="0"/>
               <a:t>Name</a:t>
             </a:r>
+            <a:endParaRPr lang="en-IN" sz="800" dirty="0"/>
           </a:p>
         </p:txBody>
       </p:sp>
@@ -13917,6 +14182,7 @@
               <a:rPr lang="en-IN" sz="800" dirty="0"/>
               <a:t>Email</a:t>
             </a:r>
+            <a:endParaRPr lang="en-IN" sz="800" dirty="0"/>
           </a:p>
         </p:txBody>
       </p:sp>
@@ -13988,6 +14254,7 @@
               <a:rPr lang="en-IN" sz="800" dirty="0"/>
               <a:t>Password</a:t>
             </a:r>
+            <a:endParaRPr lang="en-IN" sz="800" dirty="0"/>
           </a:p>
         </p:txBody>
       </p:sp>
@@ -14059,6 +14326,7 @@
               <a:rPr lang="en-IN" sz="1000" dirty="0"/>
               <a:t>Role</a:t>
             </a:r>
+            <a:endParaRPr lang="en-IN" sz="1000" dirty="0"/>
           </a:p>
         </p:txBody>
       </p:sp>
@@ -14132,6 +14400,7 @@
               <a:rPr lang="en-IN" sz="1000" dirty="0"/>
               <a:t>Login</a:t>
             </a:r>
+            <a:endParaRPr lang="en-IN" sz="1000" dirty="0"/>
           </a:p>
         </p:txBody>
       </p:sp>
@@ -14237,6 +14506,7 @@
               <a:rPr lang="en-IN" sz="1000" dirty="0"/>
               <a:t>password</a:t>
             </a:r>
+            <a:endParaRPr lang="en-IN" sz="1000" dirty="0"/>
           </a:p>
         </p:txBody>
       </p:sp>
@@ -14278,6 +14548,7 @@
               <a:rPr lang="en-IN" sz="1000" dirty="0"/>
               <a:t>Email</a:t>
             </a:r>
+            <a:endParaRPr lang="en-IN" sz="1000" dirty="0"/>
           </a:p>
         </p:txBody>
       </p:sp>
@@ -14351,21 +14622,14 @@
               <a:rPr lang="en-IN" sz="1000" dirty="0"/>
               <a:t>Has</a:t>
             </a:r>
+            <a:endParaRPr lang="en-IN" sz="1000" dirty="0"/>
           </a:p>
         </p:txBody>
       </p:sp>
       <p:cxnSp>
         <p:nvCxnSpPr>
-          <p:cNvPr id="8" name="Straight Connector 7">
-            <a:extLst>
-              <a:ext uri="{FF2B5EF4-FFF2-40B4-BE49-F238E27FC236}">
-                <a16:creationId xmlns:a16="http://schemas.microsoft.com/office/drawing/2014/main" id="{AA93B89B-CC06-FA84-8E48-BECC7372FC8D}"/>
-              </a:ext>
-            </a:extLst>
-          </p:cNvPr>
-          <p:cNvCxnSpPr>
-            <a:cxnSpLocks/>
-          </p:cNvCxnSpPr>
+          <p:cNvPr id="8" name="Straight Connector 7"/>
+          <p:cNvCxnSpPr/>
           <p:nvPr/>
         </p:nvCxnSpPr>
         <p:spPr>
@@ -14394,13 +14658,7 @@
       </p:cxnSp>
       <p:sp>
         <p:nvSpPr>
-          <p:cNvPr id="14" name="Rectangle: Rounded Corners 13">
-            <a:extLst>
-              <a:ext uri="{FF2B5EF4-FFF2-40B4-BE49-F238E27FC236}">
-                <a16:creationId xmlns:a16="http://schemas.microsoft.com/office/drawing/2014/main" id="{6D7989DE-0A2F-410A-2168-18D9AD1ECE25}"/>
-              </a:ext>
-            </a:extLst>
-          </p:cNvPr>
+          <p:cNvPr id="14" name="Rectangle: Rounded Corners 13"/>
           <p:cNvSpPr/>
           <p:nvPr/>
         </p:nvSpPr>
@@ -14442,13 +14700,7 @@
       </p:sp>
       <p:cxnSp>
         <p:nvCxnSpPr>
-          <p:cNvPr id="17" name="Straight Connector 16">
-            <a:extLst>
-              <a:ext uri="{FF2B5EF4-FFF2-40B4-BE49-F238E27FC236}">
-                <a16:creationId xmlns:a16="http://schemas.microsoft.com/office/drawing/2014/main" id="{B77798BD-FD70-7C46-5BC8-AA36E5B08943}"/>
-              </a:ext>
-            </a:extLst>
-          </p:cNvPr>
+          <p:cNvPr id="17" name="Straight Connector 16"/>
           <p:cNvCxnSpPr>
             <a:stCxn id="40" idx="3"/>
           </p:cNvCxnSpPr>
@@ -14480,13 +14732,7 @@
       </p:cxnSp>
       <p:sp>
         <p:nvSpPr>
-          <p:cNvPr id="18" name="Rectangle: Rounded Corners 17">
-            <a:extLst>
-              <a:ext uri="{FF2B5EF4-FFF2-40B4-BE49-F238E27FC236}">
-                <a16:creationId xmlns:a16="http://schemas.microsoft.com/office/drawing/2014/main" id="{EE0EB672-33BD-92D8-110A-C2659ED79D68}"/>
-              </a:ext>
-            </a:extLst>
-          </p:cNvPr>
+          <p:cNvPr id="18" name="Rectangle: Rounded Corners 17"/>
           <p:cNvSpPr/>
           <p:nvPr/>
         </p:nvSpPr>
@@ -14528,13 +14774,7 @@
       </p:sp>
       <p:cxnSp>
         <p:nvCxnSpPr>
-          <p:cNvPr id="22" name="Straight Connector 21">
-            <a:extLst>
-              <a:ext uri="{FF2B5EF4-FFF2-40B4-BE49-F238E27FC236}">
-                <a16:creationId xmlns:a16="http://schemas.microsoft.com/office/drawing/2014/main" id="{AEB17182-6EC8-5818-816C-9DE95BAE9ECF}"/>
-              </a:ext>
-            </a:extLst>
-          </p:cNvPr>
+          <p:cNvPr id="22" name="Straight Connector 21"/>
           <p:cNvCxnSpPr>
             <a:stCxn id="14" idx="2"/>
           </p:cNvCxnSpPr>
@@ -14566,13 +14806,7 @@
       </p:cxnSp>
       <p:sp>
         <p:nvSpPr>
-          <p:cNvPr id="24" name="Rectangle: Rounded Corners 23">
-            <a:extLst>
-              <a:ext uri="{FF2B5EF4-FFF2-40B4-BE49-F238E27FC236}">
-                <a16:creationId xmlns:a16="http://schemas.microsoft.com/office/drawing/2014/main" id="{5E571CEF-81D8-1CA6-F248-9A8EA7A86CBC}"/>
-              </a:ext>
-            </a:extLst>
-          </p:cNvPr>
+          <p:cNvPr id="24" name="Rectangle: Rounded Corners 23"/>
           <p:cNvSpPr/>
           <p:nvPr/>
         </p:nvSpPr>
@@ -14614,15 +14848,8 @@
       </p:sp>
       <p:cxnSp>
         <p:nvCxnSpPr>
-          <p:cNvPr id="26" name="Straight Connector 25">
-            <a:extLst>
-              <a:ext uri="{FF2B5EF4-FFF2-40B4-BE49-F238E27FC236}">
-                <a16:creationId xmlns:a16="http://schemas.microsoft.com/office/drawing/2014/main" id="{5C794830-DD63-330A-5307-6708A18FC84D}"/>
-              </a:ext>
-            </a:extLst>
-          </p:cNvPr>
+          <p:cNvPr id="26" name="Straight Connector 25"/>
           <p:cNvCxnSpPr>
-            <a:cxnSpLocks/>
             <a:stCxn id="24" idx="2"/>
             <a:endCxn id="29" idx="0"/>
           </p:cNvCxnSpPr>
@@ -14654,13 +14881,7 @@
       </p:cxnSp>
       <p:sp>
         <p:nvSpPr>
-          <p:cNvPr id="29" name="Rectangle: Rounded Corners 28">
-            <a:extLst>
-              <a:ext uri="{FF2B5EF4-FFF2-40B4-BE49-F238E27FC236}">
-                <a16:creationId xmlns:a16="http://schemas.microsoft.com/office/drawing/2014/main" id="{E270F562-105B-0170-6F2F-EE7891BE5422}"/>
-              </a:ext>
-            </a:extLst>
-          </p:cNvPr>
+          <p:cNvPr id="29" name="Rectangle: Rounded Corners 28"/>
           <p:cNvSpPr/>
           <p:nvPr/>
         </p:nvSpPr>
@@ -14702,15 +14923,8 @@
       </p:sp>
       <p:cxnSp>
         <p:nvCxnSpPr>
-          <p:cNvPr id="32" name="Straight Connector 31">
-            <a:extLst>
-              <a:ext uri="{FF2B5EF4-FFF2-40B4-BE49-F238E27FC236}">
-                <a16:creationId xmlns:a16="http://schemas.microsoft.com/office/drawing/2014/main" id="{52D518F5-022C-464A-8028-73EC70A6726F}"/>
-              </a:ext>
-            </a:extLst>
-          </p:cNvPr>
+          <p:cNvPr id="32" name="Straight Connector 31"/>
           <p:cNvCxnSpPr>
-            <a:cxnSpLocks/>
             <a:stCxn id="29" idx="2"/>
           </p:cNvCxnSpPr>
           <p:nvPr/>
@@ -14741,13 +14955,7 @@
       </p:cxnSp>
       <p:sp>
         <p:nvSpPr>
-          <p:cNvPr id="36" name="Rectangle: Rounded Corners 35">
-            <a:extLst>
-              <a:ext uri="{FF2B5EF4-FFF2-40B4-BE49-F238E27FC236}">
-                <a16:creationId xmlns:a16="http://schemas.microsoft.com/office/drawing/2014/main" id="{B611ED41-DAEF-A9F2-46AF-6B18BD57C4A7}"/>
-              </a:ext>
-            </a:extLst>
-          </p:cNvPr>
+          <p:cNvPr id="36" name="Rectangle: Rounded Corners 35"/>
           <p:cNvSpPr/>
           <p:nvPr/>
         </p:nvSpPr>
@@ -14789,13 +14997,7 @@
       </p:sp>
       <p:cxnSp>
         <p:nvCxnSpPr>
-          <p:cNvPr id="39" name="Straight Connector 38">
-            <a:extLst>
-              <a:ext uri="{FF2B5EF4-FFF2-40B4-BE49-F238E27FC236}">
-                <a16:creationId xmlns:a16="http://schemas.microsoft.com/office/drawing/2014/main" id="{B8AB9532-7DD4-739F-E43D-4E39F8F5B151}"/>
-              </a:ext>
-            </a:extLst>
-          </p:cNvPr>
+          <p:cNvPr id="39" name="Straight Connector 38"/>
           <p:cNvCxnSpPr>
             <a:stCxn id="18" idx="2"/>
           </p:cNvCxnSpPr>
@@ -14827,13 +15029,7 @@
       </p:cxnSp>
       <p:sp>
         <p:nvSpPr>
-          <p:cNvPr id="41" name="Rectangle: Rounded Corners 40">
-            <a:extLst>
-              <a:ext uri="{FF2B5EF4-FFF2-40B4-BE49-F238E27FC236}">
-                <a16:creationId xmlns:a16="http://schemas.microsoft.com/office/drawing/2014/main" id="{0AE7AAE7-11C0-DB2E-8F35-83CECB58FD36}"/>
-              </a:ext>
-            </a:extLst>
-          </p:cNvPr>
+          <p:cNvPr id="41" name="Rectangle: Rounded Corners 40"/>
           <p:cNvSpPr/>
           <p:nvPr/>
         </p:nvSpPr>
@@ -14875,13 +15071,7 @@
       </p:sp>
       <p:cxnSp>
         <p:nvCxnSpPr>
-          <p:cNvPr id="43" name="Straight Connector 42">
-            <a:extLst>
-              <a:ext uri="{FF2B5EF4-FFF2-40B4-BE49-F238E27FC236}">
-                <a16:creationId xmlns:a16="http://schemas.microsoft.com/office/drawing/2014/main" id="{9762127D-5A3A-D41D-A259-6DCB13B9A25C}"/>
-              </a:ext>
-            </a:extLst>
-          </p:cNvPr>
+          <p:cNvPr id="43" name="Straight Connector 42"/>
           <p:cNvCxnSpPr>
             <a:stCxn id="41" idx="2"/>
           </p:cNvCxnSpPr>
@@ -14913,13 +15103,7 @@
       </p:cxnSp>
       <p:sp>
         <p:nvSpPr>
-          <p:cNvPr id="44" name="Rectangle: Rounded Corners 43">
-            <a:extLst>
-              <a:ext uri="{FF2B5EF4-FFF2-40B4-BE49-F238E27FC236}">
-                <a16:creationId xmlns:a16="http://schemas.microsoft.com/office/drawing/2014/main" id="{70A023EA-D3C3-385C-7617-BC1C1E4953BB}"/>
-              </a:ext>
-            </a:extLst>
-          </p:cNvPr>
+          <p:cNvPr id="44" name="Rectangle: Rounded Corners 43"/>
           <p:cNvSpPr/>
           <p:nvPr/>
         </p:nvSpPr>
@@ -14969,13 +15153,7 @@
       </p:sp>
       <p:sp>
         <p:nvSpPr>
-          <p:cNvPr id="47" name="Rectangle: Rounded Corners 46">
-            <a:extLst>
-              <a:ext uri="{FF2B5EF4-FFF2-40B4-BE49-F238E27FC236}">
-                <a16:creationId xmlns:a16="http://schemas.microsoft.com/office/drawing/2014/main" id="{1773D575-9990-4718-3FB5-3C5E18910B6F}"/>
-              </a:ext>
-            </a:extLst>
-          </p:cNvPr>
+          <p:cNvPr id="47" name="Rectangle: Rounded Corners 46"/>
           <p:cNvSpPr/>
           <p:nvPr/>
         </p:nvSpPr>
@@ -15017,16 +15195,8 @@
       </p:sp>
       <p:cxnSp>
         <p:nvCxnSpPr>
-          <p:cNvPr id="50" name="Straight Connector 49">
-            <a:extLst>
-              <a:ext uri="{FF2B5EF4-FFF2-40B4-BE49-F238E27FC236}">
-                <a16:creationId xmlns:a16="http://schemas.microsoft.com/office/drawing/2014/main" id="{AD6AE6E0-FFCA-E4AB-5847-ECB485A0CBAB}"/>
-              </a:ext>
-            </a:extLst>
-          </p:cNvPr>
-          <p:cNvCxnSpPr>
-            <a:cxnSpLocks/>
-          </p:cNvCxnSpPr>
+          <p:cNvPr id="50" name="Straight Connector 49"/>
+          <p:cNvCxnSpPr/>
           <p:nvPr/>
         </p:nvCxnSpPr>
         <p:spPr>
@@ -15055,13 +15225,7 @@
       </p:cxnSp>
       <p:cxnSp>
         <p:nvCxnSpPr>
-          <p:cNvPr id="52" name="Straight Connector 51">
-            <a:extLst>
-              <a:ext uri="{FF2B5EF4-FFF2-40B4-BE49-F238E27FC236}">
-                <a16:creationId xmlns:a16="http://schemas.microsoft.com/office/drawing/2014/main" id="{75634D68-EC86-311A-EFAB-1C688D6549B0}"/>
-              </a:ext>
-            </a:extLst>
-          </p:cNvPr>
+          <p:cNvPr id="52" name="Straight Connector 51"/>
           <p:cNvCxnSpPr/>
           <p:nvPr/>
         </p:nvCxnSpPr>
@@ -15091,13 +15255,7 @@
       </p:cxnSp>
       <p:cxnSp>
         <p:nvCxnSpPr>
-          <p:cNvPr id="54" name="Straight Connector 53">
-            <a:extLst>
-              <a:ext uri="{FF2B5EF4-FFF2-40B4-BE49-F238E27FC236}">
-                <a16:creationId xmlns:a16="http://schemas.microsoft.com/office/drawing/2014/main" id="{4AE1FC79-A2F9-3D5F-E284-EE617BD46444}"/>
-              </a:ext>
-            </a:extLst>
-          </p:cNvPr>
+          <p:cNvPr id="54" name="Straight Connector 53"/>
           <p:cNvCxnSpPr/>
           <p:nvPr/>
         </p:nvCxnSpPr>
@@ -15127,13 +15285,7 @@
       </p:cxnSp>
       <p:cxnSp>
         <p:nvCxnSpPr>
-          <p:cNvPr id="57" name="Straight Connector 56">
-            <a:extLst>
-              <a:ext uri="{FF2B5EF4-FFF2-40B4-BE49-F238E27FC236}">
-                <a16:creationId xmlns:a16="http://schemas.microsoft.com/office/drawing/2014/main" id="{DE5ECDC0-8F71-0AC4-50A6-3B728BC13675}"/>
-              </a:ext>
-            </a:extLst>
-          </p:cNvPr>
+          <p:cNvPr id="57" name="Straight Connector 56"/>
           <p:cNvCxnSpPr/>
           <p:nvPr/>
         </p:nvCxnSpPr>
@@ -15163,13 +15315,7 @@
       </p:cxnSp>
       <p:cxnSp>
         <p:nvCxnSpPr>
-          <p:cNvPr id="59" name="Straight Connector 58">
-            <a:extLst>
-              <a:ext uri="{FF2B5EF4-FFF2-40B4-BE49-F238E27FC236}">
-                <a16:creationId xmlns:a16="http://schemas.microsoft.com/office/drawing/2014/main" id="{6EB32C3D-CE82-E3B1-1908-365B9DEC1774}"/>
-              </a:ext>
-            </a:extLst>
-          </p:cNvPr>
+          <p:cNvPr id="59" name="Straight Connector 58"/>
           <p:cNvCxnSpPr/>
           <p:nvPr/>
         </p:nvCxnSpPr>
@@ -15199,13 +15345,7 @@
       </p:cxnSp>
       <p:cxnSp>
         <p:nvCxnSpPr>
-          <p:cNvPr id="61" name="Straight Connector 60">
-            <a:extLst>
-              <a:ext uri="{FF2B5EF4-FFF2-40B4-BE49-F238E27FC236}">
-                <a16:creationId xmlns:a16="http://schemas.microsoft.com/office/drawing/2014/main" id="{1F8C0C0B-BDC3-8622-CE2D-9CBCC1584AD1}"/>
-              </a:ext>
-            </a:extLst>
-          </p:cNvPr>
+          <p:cNvPr id="61" name="Straight Connector 60"/>
           <p:cNvCxnSpPr/>
           <p:nvPr/>
         </p:nvCxnSpPr>
@@ -15235,13 +15375,7 @@
       </p:cxnSp>
       <p:cxnSp>
         <p:nvCxnSpPr>
-          <p:cNvPr id="63" name="Straight Connector 62">
-            <a:extLst>
-              <a:ext uri="{FF2B5EF4-FFF2-40B4-BE49-F238E27FC236}">
-                <a16:creationId xmlns:a16="http://schemas.microsoft.com/office/drawing/2014/main" id="{A4DDD6AD-69DE-FD80-42C1-271121AA46B9}"/>
-              </a:ext>
-            </a:extLst>
-          </p:cNvPr>
+          <p:cNvPr id="63" name="Straight Connector 62"/>
           <p:cNvCxnSpPr>
             <a:endCxn id="18" idx="0"/>
           </p:cNvCxnSpPr>
@@ -15273,16 +15407,8 @@
       </p:cxnSp>
       <p:cxnSp>
         <p:nvCxnSpPr>
-          <p:cNvPr id="65" name="Straight Connector 64">
-            <a:extLst>
-              <a:ext uri="{FF2B5EF4-FFF2-40B4-BE49-F238E27FC236}">
-                <a16:creationId xmlns:a16="http://schemas.microsoft.com/office/drawing/2014/main" id="{80AE7752-AFD2-2A28-8AD6-1AAAF52CDF68}"/>
-              </a:ext>
-            </a:extLst>
-          </p:cNvPr>
-          <p:cNvCxnSpPr>
-            <a:cxnSpLocks/>
-          </p:cNvCxnSpPr>
+          <p:cNvPr id="65" name="Straight Connector 64"/>
+          <p:cNvCxnSpPr/>
           <p:nvPr/>
         </p:nvCxnSpPr>
         <p:spPr>
@@ -15311,13 +15437,7 @@
       </p:cxnSp>
       <p:sp>
         <p:nvSpPr>
-          <p:cNvPr id="66" name="Oval 65">
-            <a:extLst>
-              <a:ext uri="{FF2B5EF4-FFF2-40B4-BE49-F238E27FC236}">
-                <a16:creationId xmlns:a16="http://schemas.microsoft.com/office/drawing/2014/main" id="{AAF561B0-EE77-258B-9360-99B449A34AB4}"/>
-              </a:ext>
-            </a:extLst>
-          </p:cNvPr>
+          <p:cNvPr id="66" name="Oval 65"/>
           <p:cNvSpPr/>
           <p:nvPr/>
         </p:nvSpPr>
@@ -15359,13 +15479,7 @@
       </p:sp>
       <p:cxnSp>
         <p:nvCxnSpPr>
-          <p:cNvPr id="68" name="Straight Connector 67">
-            <a:extLst>
-              <a:ext uri="{FF2B5EF4-FFF2-40B4-BE49-F238E27FC236}">
-                <a16:creationId xmlns:a16="http://schemas.microsoft.com/office/drawing/2014/main" id="{B00AFEDF-D436-E4F5-E1C6-848CB5DA648F}"/>
-              </a:ext>
-            </a:extLst>
-          </p:cNvPr>
+          <p:cNvPr id="68" name="Straight Connector 67"/>
           <p:cNvCxnSpPr/>
           <p:nvPr/>
         </p:nvCxnSpPr>
@@ -15395,13 +15509,7 @@
       </p:cxnSp>
       <p:sp>
         <p:nvSpPr>
-          <p:cNvPr id="69" name="Oval 68">
-            <a:extLst>
-              <a:ext uri="{FF2B5EF4-FFF2-40B4-BE49-F238E27FC236}">
-                <a16:creationId xmlns:a16="http://schemas.microsoft.com/office/drawing/2014/main" id="{C5462746-C600-0A18-CA26-282C8E2AFBE3}"/>
-              </a:ext>
-            </a:extLst>
-          </p:cNvPr>
+          <p:cNvPr id="69" name="Oval 68"/>
           <p:cNvSpPr/>
           <p:nvPr/>
         </p:nvSpPr>
@@ -15443,13 +15551,7 @@
       </p:sp>
       <p:cxnSp>
         <p:nvCxnSpPr>
-          <p:cNvPr id="74" name="Straight Connector 73">
-            <a:extLst>
-              <a:ext uri="{FF2B5EF4-FFF2-40B4-BE49-F238E27FC236}">
-                <a16:creationId xmlns:a16="http://schemas.microsoft.com/office/drawing/2014/main" id="{3BF13EED-0975-F39E-FDF0-D89AF68ECDB5}"/>
-              </a:ext>
-            </a:extLst>
-          </p:cNvPr>
+          <p:cNvPr id="74" name="Straight Connector 73"/>
           <p:cNvCxnSpPr/>
           <p:nvPr/>
         </p:nvCxnSpPr>
@@ -15479,13 +15581,7 @@
       </p:cxnSp>
       <p:sp>
         <p:nvSpPr>
-          <p:cNvPr id="75" name="Oval 74">
-            <a:extLst>
-              <a:ext uri="{FF2B5EF4-FFF2-40B4-BE49-F238E27FC236}">
-                <a16:creationId xmlns:a16="http://schemas.microsoft.com/office/drawing/2014/main" id="{F26C3C8B-6D0F-5F63-72CF-F297805CEA1D}"/>
-              </a:ext>
-            </a:extLst>
-          </p:cNvPr>
+          <p:cNvPr id="75" name="Oval 74"/>
           <p:cNvSpPr/>
           <p:nvPr/>
         </p:nvSpPr>
@@ -15527,16 +15623,8 @@
       </p:sp>
       <p:cxnSp>
         <p:nvCxnSpPr>
-          <p:cNvPr id="77" name="Straight Connector 76">
-            <a:extLst>
-              <a:ext uri="{FF2B5EF4-FFF2-40B4-BE49-F238E27FC236}">
-                <a16:creationId xmlns:a16="http://schemas.microsoft.com/office/drawing/2014/main" id="{AE4C1062-6134-22F0-775F-1C15A80906C9}"/>
-              </a:ext>
-            </a:extLst>
-          </p:cNvPr>
-          <p:cNvCxnSpPr>
-            <a:cxnSpLocks/>
-          </p:cNvCxnSpPr>
+          <p:cNvPr id="77" name="Straight Connector 76"/>
+          <p:cNvCxnSpPr/>
           <p:nvPr/>
         </p:nvCxnSpPr>
         <p:spPr>
@@ -15565,13 +15653,7 @@
       </p:cxnSp>
       <p:sp>
         <p:nvSpPr>
-          <p:cNvPr id="79" name="Oval 78">
-            <a:extLst>
-              <a:ext uri="{FF2B5EF4-FFF2-40B4-BE49-F238E27FC236}">
-                <a16:creationId xmlns:a16="http://schemas.microsoft.com/office/drawing/2014/main" id="{5F40E9AE-CAF3-5958-FDDD-F8F0C3B0E2F7}"/>
-              </a:ext>
-            </a:extLst>
-          </p:cNvPr>
+          <p:cNvPr id="79" name="Oval 78"/>
           <p:cNvSpPr/>
           <p:nvPr/>
         </p:nvSpPr>
@@ -15613,13 +15695,7 @@
       </p:sp>
       <p:cxnSp>
         <p:nvCxnSpPr>
-          <p:cNvPr id="81" name="Straight Connector 80">
-            <a:extLst>
-              <a:ext uri="{FF2B5EF4-FFF2-40B4-BE49-F238E27FC236}">
-                <a16:creationId xmlns:a16="http://schemas.microsoft.com/office/drawing/2014/main" id="{FB9B6223-49FB-E337-4C4A-7C246B016982}"/>
-              </a:ext>
-            </a:extLst>
-          </p:cNvPr>
+          <p:cNvPr id="81" name="Straight Connector 80"/>
           <p:cNvCxnSpPr/>
           <p:nvPr/>
         </p:nvCxnSpPr>
@@ -15649,13 +15725,7 @@
       </p:cxnSp>
       <p:sp>
         <p:nvSpPr>
-          <p:cNvPr id="82" name="Oval 81">
-            <a:extLst>
-              <a:ext uri="{FF2B5EF4-FFF2-40B4-BE49-F238E27FC236}">
-                <a16:creationId xmlns:a16="http://schemas.microsoft.com/office/drawing/2014/main" id="{91D192C5-475F-D6A0-F193-394430A042AE}"/>
-              </a:ext>
-            </a:extLst>
-          </p:cNvPr>
+          <p:cNvPr id="82" name="Oval 81"/>
           <p:cNvSpPr/>
           <p:nvPr/>
         </p:nvSpPr>
@@ -15697,16 +15767,8 @@
       </p:sp>
       <p:cxnSp>
         <p:nvCxnSpPr>
-          <p:cNvPr id="84" name="Straight Connector 83">
-            <a:extLst>
-              <a:ext uri="{FF2B5EF4-FFF2-40B4-BE49-F238E27FC236}">
-                <a16:creationId xmlns:a16="http://schemas.microsoft.com/office/drawing/2014/main" id="{43E0519C-1924-EDAC-0579-C9E5978C241F}"/>
-              </a:ext>
-            </a:extLst>
-          </p:cNvPr>
-          <p:cNvCxnSpPr>
-            <a:cxnSpLocks/>
-          </p:cNvCxnSpPr>
+          <p:cNvPr id="84" name="Straight Connector 83"/>
+          <p:cNvCxnSpPr/>
           <p:nvPr/>
         </p:nvCxnSpPr>
         <p:spPr>
@@ -15735,13 +15797,7 @@
       </p:cxnSp>
       <p:sp>
         <p:nvSpPr>
-          <p:cNvPr id="86" name="Oval 85">
-            <a:extLst>
-              <a:ext uri="{FF2B5EF4-FFF2-40B4-BE49-F238E27FC236}">
-                <a16:creationId xmlns:a16="http://schemas.microsoft.com/office/drawing/2014/main" id="{6F29260B-BFFB-96ED-CD99-DBD5D0012842}"/>
-              </a:ext>
-            </a:extLst>
-          </p:cNvPr>
+          <p:cNvPr id="86" name="Oval 85"/>
           <p:cNvSpPr/>
           <p:nvPr/>
         </p:nvSpPr>
@@ -15783,13 +15839,7 @@
       </p:sp>
       <p:cxnSp>
         <p:nvCxnSpPr>
-          <p:cNvPr id="88" name="Straight Connector 87">
-            <a:extLst>
-              <a:ext uri="{FF2B5EF4-FFF2-40B4-BE49-F238E27FC236}">
-                <a16:creationId xmlns:a16="http://schemas.microsoft.com/office/drawing/2014/main" id="{83708840-71AD-395C-1F62-626656F54196}"/>
-              </a:ext>
-            </a:extLst>
-          </p:cNvPr>
+          <p:cNvPr id="88" name="Straight Connector 87"/>
           <p:cNvCxnSpPr>
             <a:stCxn id="44" idx="2"/>
           </p:cNvCxnSpPr>
@@ -15821,13 +15871,7 @@
       </p:cxnSp>
       <p:cxnSp>
         <p:nvCxnSpPr>
-          <p:cNvPr id="92" name="Straight Connector 91">
-            <a:extLst>
-              <a:ext uri="{FF2B5EF4-FFF2-40B4-BE49-F238E27FC236}">
-                <a16:creationId xmlns:a16="http://schemas.microsoft.com/office/drawing/2014/main" id="{47CBA53C-1392-C96C-A864-F5968C292ED5}"/>
-              </a:ext>
-            </a:extLst>
-          </p:cNvPr>
+          <p:cNvPr id="92" name="Straight Connector 91"/>
           <p:cNvCxnSpPr>
             <a:stCxn id="47" idx="2"/>
           </p:cNvCxnSpPr>
@@ -15859,13 +15903,7 @@
       </p:cxnSp>
       <p:sp>
         <p:nvSpPr>
-          <p:cNvPr id="93" name="Rectangle: Rounded Corners 92">
-            <a:extLst>
-              <a:ext uri="{FF2B5EF4-FFF2-40B4-BE49-F238E27FC236}">
-                <a16:creationId xmlns:a16="http://schemas.microsoft.com/office/drawing/2014/main" id="{C45CF863-7F3C-D39D-DB7F-70A371B87C88}"/>
-              </a:ext>
-            </a:extLst>
-          </p:cNvPr>
+          <p:cNvPr id="93" name="Rectangle: Rounded Corners 92"/>
           <p:cNvSpPr/>
           <p:nvPr/>
         </p:nvSpPr>
@@ -15907,16 +15945,8 @@
       </p:sp>
       <p:cxnSp>
         <p:nvCxnSpPr>
-          <p:cNvPr id="95" name="Straight Connector 94">
-            <a:extLst>
-              <a:ext uri="{FF2B5EF4-FFF2-40B4-BE49-F238E27FC236}">
-                <a16:creationId xmlns:a16="http://schemas.microsoft.com/office/drawing/2014/main" id="{F69A547D-EE5D-238E-B9D7-1D9E6F472EBC}"/>
-              </a:ext>
-            </a:extLst>
-          </p:cNvPr>
-          <p:cNvCxnSpPr>
-            <a:cxnSpLocks/>
-          </p:cNvCxnSpPr>
+          <p:cNvPr id="95" name="Straight Connector 94"/>
+          <p:cNvCxnSpPr/>
           <p:nvPr/>
         </p:nvCxnSpPr>
         <p:spPr>
@@ -15945,16 +15975,8 @@
       </p:cxnSp>
       <p:cxnSp>
         <p:nvCxnSpPr>
-          <p:cNvPr id="97" name="Straight Connector 96">
-            <a:extLst>
-              <a:ext uri="{FF2B5EF4-FFF2-40B4-BE49-F238E27FC236}">
-                <a16:creationId xmlns:a16="http://schemas.microsoft.com/office/drawing/2014/main" id="{1C701D07-88C9-E3AA-AEA5-00021CE72BD4}"/>
-              </a:ext>
-            </a:extLst>
-          </p:cNvPr>
-          <p:cNvCxnSpPr>
-            <a:cxnSpLocks/>
-          </p:cNvCxnSpPr>
+          <p:cNvPr id="97" name="Straight Connector 96"/>
+          <p:cNvCxnSpPr/>
           <p:nvPr/>
         </p:nvCxnSpPr>
         <p:spPr>
@@ -15983,13 +16005,7 @@
       </p:cxnSp>
       <p:sp>
         <p:nvSpPr>
-          <p:cNvPr id="99" name="Oval 98">
-            <a:extLst>
-              <a:ext uri="{FF2B5EF4-FFF2-40B4-BE49-F238E27FC236}">
-                <a16:creationId xmlns:a16="http://schemas.microsoft.com/office/drawing/2014/main" id="{7361CE05-D0F2-77C2-816E-4D893F3D55CF}"/>
-              </a:ext>
-            </a:extLst>
-          </p:cNvPr>
+          <p:cNvPr id="99" name="Oval 98"/>
           <p:cNvSpPr/>
           <p:nvPr/>
         </p:nvSpPr>
@@ -16031,13 +16047,7 @@
       </p:sp>
       <p:sp>
         <p:nvSpPr>
-          <p:cNvPr id="100" name="Oval 99">
-            <a:extLst>
-              <a:ext uri="{FF2B5EF4-FFF2-40B4-BE49-F238E27FC236}">
-                <a16:creationId xmlns:a16="http://schemas.microsoft.com/office/drawing/2014/main" id="{6CEE63EC-7728-9A69-F7A7-2B103BAF4E5E}"/>
-              </a:ext>
-            </a:extLst>
-          </p:cNvPr>
+          <p:cNvPr id="100" name="Oval 99"/>
           <p:cNvSpPr/>
           <p:nvPr/>
         </p:nvSpPr>
@@ -16079,16 +16089,8 @@
       </p:sp>
       <p:cxnSp>
         <p:nvCxnSpPr>
-          <p:cNvPr id="103" name="Straight Connector 102">
-            <a:extLst>
-              <a:ext uri="{FF2B5EF4-FFF2-40B4-BE49-F238E27FC236}">
-                <a16:creationId xmlns:a16="http://schemas.microsoft.com/office/drawing/2014/main" id="{E86BE094-AB29-A857-F610-E661B965BDEF}"/>
-              </a:ext>
-            </a:extLst>
-          </p:cNvPr>
-          <p:cNvCxnSpPr>
-            <a:cxnSpLocks/>
-          </p:cNvCxnSpPr>
+          <p:cNvPr id="103" name="Straight Connector 102"/>
+          <p:cNvCxnSpPr/>
           <p:nvPr/>
         </p:nvCxnSpPr>
         <p:spPr>
@@ -16117,16 +16119,8 @@
       </p:cxnSp>
       <p:cxnSp>
         <p:nvCxnSpPr>
-          <p:cNvPr id="105" name="Straight Connector 104">
-            <a:extLst>
-              <a:ext uri="{FF2B5EF4-FFF2-40B4-BE49-F238E27FC236}">
-                <a16:creationId xmlns:a16="http://schemas.microsoft.com/office/drawing/2014/main" id="{E851B73E-1D89-48CD-AC56-FC7773F14EA8}"/>
-              </a:ext>
-            </a:extLst>
-          </p:cNvPr>
-          <p:cNvCxnSpPr>
-            <a:cxnSpLocks/>
-          </p:cNvCxnSpPr>
+          <p:cNvPr id="105" name="Straight Connector 104"/>
+          <p:cNvCxnSpPr/>
           <p:nvPr/>
         </p:nvCxnSpPr>
         <p:spPr>
@@ -16155,13 +16149,7 @@
       </p:cxnSp>
       <p:sp>
         <p:nvSpPr>
-          <p:cNvPr id="107" name="Oval 106">
-            <a:extLst>
-              <a:ext uri="{FF2B5EF4-FFF2-40B4-BE49-F238E27FC236}">
-                <a16:creationId xmlns:a16="http://schemas.microsoft.com/office/drawing/2014/main" id="{A75B8C3D-D595-88CF-B758-E6B10DFDA86C}"/>
-              </a:ext>
-            </a:extLst>
-          </p:cNvPr>
+          <p:cNvPr id="107" name="Oval 106"/>
           <p:cNvSpPr/>
           <p:nvPr/>
         </p:nvSpPr>
@@ -16203,13 +16191,7 @@
       </p:sp>
       <p:sp>
         <p:nvSpPr>
-          <p:cNvPr id="108" name="Oval 107">
-            <a:extLst>
-              <a:ext uri="{FF2B5EF4-FFF2-40B4-BE49-F238E27FC236}">
-                <a16:creationId xmlns:a16="http://schemas.microsoft.com/office/drawing/2014/main" id="{DA28970A-F2B4-8A96-BDE1-EB296F8B4181}"/>
-              </a:ext>
-            </a:extLst>
-          </p:cNvPr>
+          <p:cNvPr id="108" name="Oval 107"/>
           <p:cNvSpPr/>
           <p:nvPr/>
         </p:nvSpPr>
@@ -16251,16 +16233,8 @@
       </p:sp>
       <p:cxnSp>
         <p:nvCxnSpPr>
-          <p:cNvPr id="11" name="Straight Connector 10">
-            <a:extLst>
-              <a:ext uri="{FF2B5EF4-FFF2-40B4-BE49-F238E27FC236}">
-                <a16:creationId xmlns:a16="http://schemas.microsoft.com/office/drawing/2014/main" id="{12282549-AE55-D1FA-044C-8CCB2F41D2B8}"/>
-              </a:ext>
-            </a:extLst>
-          </p:cNvPr>
-          <p:cNvCxnSpPr>
-            <a:cxnSpLocks/>
-          </p:cNvCxnSpPr>
+          <p:cNvPr id="11" name="Straight Connector 10"/>
+          <p:cNvCxnSpPr/>
           <p:nvPr/>
         </p:nvCxnSpPr>
         <p:spPr>
@@ -16289,13 +16263,7 @@
       </p:cxnSp>
       <p:sp>
         <p:nvSpPr>
-          <p:cNvPr id="20" name="Oval 19">
-            <a:extLst>
-              <a:ext uri="{FF2B5EF4-FFF2-40B4-BE49-F238E27FC236}">
-                <a16:creationId xmlns:a16="http://schemas.microsoft.com/office/drawing/2014/main" id="{6B0B2784-215F-28D2-6A76-4E53C3921BF4}"/>
-              </a:ext>
-            </a:extLst>
-          </p:cNvPr>
+          <p:cNvPr id="20" name="Oval 19"/>
           <p:cNvSpPr/>
           <p:nvPr/>
         </p:nvSpPr>
@@ -16337,16 +16305,8 @@
       </p:sp>
       <p:cxnSp>
         <p:nvCxnSpPr>
-          <p:cNvPr id="31" name="Straight Connector 30">
-            <a:extLst>
-              <a:ext uri="{FF2B5EF4-FFF2-40B4-BE49-F238E27FC236}">
-                <a16:creationId xmlns:a16="http://schemas.microsoft.com/office/drawing/2014/main" id="{E058B44A-9A89-85C4-D844-F74968606D4D}"/>
-              </a:ext>
-            </a:extLst>
-          </p:cNvPr>
-          <p:cNvCxnSpPr>
-            <a:cxnSpLocks/>
-          </p:cNvCxnSpPr>
+          <p:cNvPr id="31" name="Straight Connector 30"/>
+          <p:cNvCxnSpPr/>
           <p:nvPr/>
         </p:nvCxnSpPr>
         <p:spPr>
@@ -16375,13 +16335,7 @@
       </p:cxnSp>
       <p:sp>
         <p:nvSpPr>
-          <p:cNvPr id="45" name="Oval 44">
-            <a:extLst>
-              <a:ext uri="{FF2B5EF4-FFF2-40B4-BE49-F238E27FC236}">
-                <a16:creationId xmlns:a16="http://schemas.microsoft.com/office/drawing/2014/main" id="{EEAFCCED-A4C2-1C5C-E04C-B8AC95CC0B16}"/>
-              </a:ext>
-            </a:extLst>
-          </p:cNvPr>
+          <p:cNvPr id="45" name="Oval 44"/>
           <p:cNvSpPr/>
           <p:nvPr/>
         </p:nvSpPr>
@@ -16423,13 +16377,7 @@
       </p:sp>
       <p:cxnSp>
         <p:nvCxnSpPr>
-          <p:cNvPr id="51" name="Straight Connector 50">
-            <a:extLst>
-              <a:ext uri="{FF2B5EF4-FFF2-40B4-BE49-F238E27FC236}">
-                <a16:creationId xmlns:a16="http://schemas.microsoft.com/office/drawing/2014/main" id="{7B9D52AE-58F8-ABC1-92A3-001B054CFB93}"/>
-              </a:ext>
-            </a:extLst>
-          </p:cNvPr>
+          <p:cNvPr id="51" name="Straight Connector 50"/>
           <p:cNvCxnSpPr/>
           <p:nvPr/>
         </p:nvCxnSpPr>
@@ -16459,13 +16407,7 @@
       </p:cxnSp>
       <p:sp>
         <p:nvSpPr>
-          <p:cNvPr id="53" name="Oval 52">
-            <a:extLst>
-              <a:ext uri="{FF2B5EF4-FFF2-40B4-BE49-F238E27FC236}">
-                <a16:creationId xmlns:a16="http://schemas.microsoft.com/office/drawing/2014/main" id="{A4760377-35ED-589D-11C3-BC8C832E9E73}"/>
-              </a:ext>
-            </a:extLst>
-          </p:cNvPr>
+          <p:cNvPr id="53" name="Oval 52"/>
           <p:cNvSpPr/>
           <p:nvPr/>
         </p:nvSpPr>
@@ -16507,16 +16449,8 @@
       </p:sp>
       <p:cxnSp>
         <p:nvCxnSpPr>
-          <p:cNvPr id="56" name="Straight Connector 55">
-            <a:extLst>
-              <a:ext uri="{FF2B5EF4-FFF2-40B4-BE49-F238E27FC236}">
-                <a16:creationId xmlns:a16="http://schemas.microsoft.com/office/drawing/2014/main" id="{9D967CED-FC80-80D8-0013-2638FF4B09F6}"/>
-              </a:ext>
-            </a:extLst>
-          </p:cNvPr>
-          <p:cNvCxnSpPr>
-            <a:cxnSpLocks/>
-          </p:cNvCxnSpPr>
+          <p:cNvPr id="56" name="Straight Connector 55"/>
+          <p:cNvCxnSpPr/>
           <p:nvPr/>
         </p:nvCxnSpPr>
         <p:spPr>
@@ -16545,13 +16479,7 @@
       </p:cxnSp>
       <p:sp>
         <p:nvSpPr>
-          <p:cNvPr id="60" name="Oval 59">
-            <a:extLst>
-              <a:ext uri="{FF2B5EF4-FFF2-40B4-BE49-F238E27FC236}">
-                <a16:creationId xmlns:a16="http://schemas.microsoft.com/office/drawing/2014/main" id="{6B575A07-3FD0-D1BB-CD7C-FC00E6F9A843}"/>
-              </a:ext>
-            </a:extLst>
-          </p:cNvPr>
+          <p:cNvPr id="60" name="Oval 59"/>
           <p:cNvSpPr/>
           <p:nvPr/>
         </p:nvSpPr>
@@ -16593,15 +16521,8 @@
       </p:sp>
       <p:cxnSp>
         <p:nvCxnSpPr>
-          <p:cNvPr id="64" name="Straight Connector 63">
-            <a:extLst>
-              <a:ext uri="{FF2B5EF4-FFF2-40B4-BE49-F238E27FC236}">
-                <a16:creationId xmlns:a16="http://schemas.microsoft.com/office/drawing/2014/main" id="{55F114B3-682E-E35C-E7FF-FDA72790C45F}"/>
-              </a:ext>
-            </a:extLst>
-          </p:cNvPr>
+          <p:cNvPr id="64" name="Straight Connector 63"/>
           <p:cNvCxnSpPr>
-            <a:cxnSpLocks/>
             <a:stCxn id="66" idx="6"/>
             <a:endCxn id="99" idx="2"/>
           </p:cNvCxnSpPr>
@@ -16633,16 +16554,8 @@
       </p:cxnSp>
       <p:cxnSp>
         <p:nvCxnSpPr>
-          <p:cNvPr id="71" name="Straight Connector 70">
-            <a:extLst>
-              <a:ext uri="{FF2B5EF4-FFF2-40B4-BE49-F238E27FC236}">
-                <a16:creationId xmlns:a16="http://schemas.microsoft.com/office/drawing/2014/main" id="{EAFA719D-B81D-3EB4-85D3-5190933930EB}"/>
-              </a:ext>
-            </a:extLst>
-          </p:cNvPr>
-          <p:cNvCxnSpPr>
-            <a:cxnSpLocks/>
-          </p:cNvCxnSpPr>
+          <p:cNvPr id="71" name="Straight Connector 70"/>
+          <p:cNvCxnSpPr/>
           <p:nvPr/>
         </p:nvCxnSpPr>
         <p:spPr>
@@ -16671,13 +16584,7 @@
       </p:cxnSp>
       <p:cxnSp>
         <p:nvCxnSpPr>
-          <p:cNvPr id="76" name="Straight Connector 75">
-            <a:extLst>
-              <a:ext uri="{FF2B5EF4-FFF2-40B4-BE49-F238E27FC236}">
-                <a16:creationId xmlns:a16="http://schemas.microsoft.com/office/drawing/2014/main" id="{8C1F79DA-5E36-FDCD-269F-E1ADCCFABE16}"/>
-              </a:ext>
-            </a:extLst>
-          </p:cNvPr>
+          <p:cNvPr id="76" name="Straight Connector 75"/>
           <p:cNvCxnSpPr>
             <a:endCxn id="107" idx="2"/>
           </p:cNvCxnSpPr>
@@ -16709,15 +16616,8 @@
       </p:cxnSp>
       <p:cxnSp>
         <p:nvCxnSpPr>
-          <p:cNvPr id="80" name="Straight Connector 79">
-            <a:extLst>
-              <a:ext uri="{FF2B5EF4-FFF2-40B4-BE49-F238E27FC236}">
-                <a16:creationId xmlns:a16="http://schemas.microsoft.com/office/drawing/2014/main" id="{7F011FC4-F9CE-CC79-EF4E-096A4D74CDEA}"/>
-              </a:ext>
-            </a:extLst>
-          </p:cNvPr>
+          <p:cNvPr id="80" name="Straight Connector 79"/>
           <p:cNvCxnSpPr>
-            <a:cxnSpLocks/>
             <a:stCxn id="79" idx="6"/>
             <a:endCxn id="108" idx="2"/>
           </p:cNvCxnSpPr>
@@ -16749,13 +16649,7 @@
       </p:cxnSp>
       <p:cxnSp>
         <p:nvCxnSpPr>
-          <p:cNvPr id="90" name="Straight Connector 89">
-            <a:extLst>
-              <a:ext uri="{FF2B5EF4-FFF2-40B4-BE49-F238E27FC236}">
-                <a16:creationId xmlns:a16="http://schemas.microsoft.com/office/drawing/2014/main" id="{FF058908-0C45-86AC-F806-D5DD2C4794EA}"/>
-              </a:ext>
-            </a:extLst>
-          </p:cNvPr>
+          <p:cNvPr id="90" name="Straight Connector 89"/>
           <p:cNvCxnSpPr>
             <a:stCxn id="79" idx="6"/>
             <a:endCxn id="20" idx="2"/>
@@ -16788,13 +16682,7 @@
       </p:cxnSp>
       <p:cxnSp>
         <p:nvCxnSpPr>
-          <p:cNvPr id="94" name="Straight Connector 93">
-            <a:extLst>
-              <a:ext uri="{FF2B5EF4-FFF2-40B4-BE49-F238E27FC236}">
-                <a16:creationId xmlns:a16="http://schemas.microsoft.com/office/drawing/2014/main" id="{95C84FBC-B540-4797-50C6-E4D656B74E4E}"/>
-              </a:ext>
-            </a:extLst>
-          </p:cNvPr>
+          <p:cNvPr id="94" name="Straight Connector 93"/>
           <p:cNvCxnSpPr>
             <a:stCxn id="79" idx="6"/>
             <a:endCxn id="45" idx="2"/>
@@ -16827,13 +16715,7 @@
       </p:cxnSp>
       <p:cxnSp>
         <p:nvCxnSpPr>
-          <p:cNvPr id="98" name="Straight Connector 97">
-            <a:extLst>
-              <a:ext uri="{FF2B5EF4-FFF2-40B4-BE49-F238E27FC236}">
-                <a16:creationId xmlns:a16="http://schemas.microsoft.com/office/drawing/2014/main" id="{89868F77-A8FA-EE88-1F67-DF87BDC7604E}"/>
-              </a:ext>
-            </a:extLst>
-          </p:cNvPr>
+          <p:cNvPr id="98" name="Straight Connector 97"/>
           <p:cNvCxnSpPr>
             <a:stCxn id="53" idx="2"/>
             <a:endCxn id="82" idx="6"/>
@@ -16866,15 +16748,8 @@
       </p:cxnSp>
       <p:cxnSp>
         <p:nvCxnSpPr>
-          <p:cNvPr id="104" name="Straight Connector 103">
-            <a:extLst>
-              <a:ext uri="{FF2B5EF4-FFF2-40B4-BE49-F238E27FC236}">
-                <a16:creationId xmlns:a16="http://schemas.microsoft.com/office/drawing/2014/main" id="{9F7A482B-AE2B-6718-3F55-5A60E7031985}"/>
-              </a:ext>
-            </a:extLst>
-          </p:cNvPr>
+          <p:cNvPr id="104" name="Straight Connector 103"/>
           <p:cNvCxnSpPr>
-            <a:cxnSpLocks/>
             <a:stCxn id="86" idx="6"/>
             <a:endCxn id="60" idx="2"/>
           </p:cNvCxnSpPr>
@@ -17034,7 +16909,6 @@
             </a:pPr>
             <a:fld id="{0E14ABD8-B1EB-4C07-9937-C8C4E38BDF00}" type="slidenum">
               <a:rPr lang="en-US" altLang="en-US" smtClean="0"/>
-              <a:t>8</a:t>
             </a:fld>
             <a:endParaRPr lang="en-US" altLang="en-US"/>
           </a:p>
@@ -17078,7 +16952,7 @@
           <p:nvPr/>
         </p:nvPicPr>
         <p:blipFill>
-          <a:blip r:embed="rId2"/>
+          <a:blip r:embed="rId1"/>
           <a:stretch>
             <a:fillRect/>
           </a:stretch>
@@ -17219,7 +17093,6 @@
             </a:pPr>
             <a:fld id="{0E14ABD8-B1EB-4C07-9937-C8C4E38BDF00}" type="slidenum">
               <a:rPr lang="en-US" altLang="en-US" smtClean="0"/>
-              <a:t>9</a:t>
             </a:fld>
             <a:endParaRPr lang="en-US" altLang="en-US"/>
           </a:p>
@@ -17989,14 +17862,12 @@
           <a:lin ang="16200000" scaled="1"/>
         </a:gradFill>
         <a:blipFill>
-          <a:blip xmlns:r="http://schemas.openxmlformats.org/officeDocument/2006/relationships"/>
+          <a:blip/>
           <a:tile tx="0" ty="0" sx="35000" sy="40000" flip="x" algn="tl"/>
         </a:blipFill>
       </a:bgFillStyleLst>
     </a:fmtScheme>
   </a:themeElements>
-  <a:objectDefaults/>
-  <a:extraClrSchemeLst/>
   <a:extLst>
     <a:ext uri="{05A4C25C-085E-4340-85A3-A5531E510DB2}">
       <thm15:themeFamily xmlns:thm15="http://schemas.microsoft.com/office/thememl/2012/main" name="Office Theme" id="{62F939B6-93AF-4DB8-9C6B-D6C7DFDC589F}" vid="{4A3C46E8-61CC-4603-A589-7422A47A8E4A}"/>
@@ -18316,14 +18187,12 @@
           <a:lin ang="16200000" scaled="1"/>
         </a:gradFill>
         <a:blipFill>
-          <a:blip xmlns:r="http://schemas.openxmlformats.org/officeDocument/2006/relationships"/>
+          <a:blip/>
           <a:tile tx="0" ty="0" sx="35000" sy="40000" flip="x" algn="tl"/>
         </a:blipFill>
       </a:bgFillStyleLst>
     </a:fmtScheme>
   </a:themeElements>
-  <a:objectDefaults/>
-  <a:extraClrSchemeLst/>
   <a:extLst>
     <a:ext uri="{05A4C25C-085E-4340-85A3-A5531E510DB2}">
       <thm15:themeFamily xmlns:thm15="http://schemas.microsoft.com/office/thememl/2012/main" name="Office Theme" id="{62F939B6-93AF-4DB8-9C6B-D6C7DFDC589F}" vid="{4A3C46E8-61CC-4603-A589-7422A47A8E4A}"/>
@@ -18607,8 +18476,6 @@
       </a:bgFillStyleLst>
     </a:fmtScheme>
   </a:themeElements>
-  <a:objectDefaults/>
-  <a:extraClrSchemeLst/>
   <a:extLst>
     <a:ext uri="{05A4C25C-085E-4340-85A3-A5531E510DB2}">
       <thm15:themeFamily xmlns:thm15="http://schemas.microsoft.com/office/thememl/2012/main" name="Office Theme" id="{62F939B6-93AF-4DB8-9C6B-D6C7DFDC589F}" vid="{4A3C46E8-61CC-4603-A589-7422A47A8E4A}"/>
@@ -18895,8 +18762,6 @@
       </a:bgFillStyleLst>
     </a:fmtScheme>
   </a:themeElements>
-  <a:objectDefaults/>
-  <a:extraClrSchemeLst/>
   <a:extLst>
     <a:ext uri="{05A4C25C-085E-4340-85A3-A5531E510DB2}">
       <thm15:themeFamily xmlns:thm15="http://schemas.microsoft.com/office/thememl/2012/main" name="Office Theme" id="{62F939B6-93AF-4DB8-9C6B-D6C7DFDC589F}" vid="{4A3C46E8-61CC-4603-A589-7422A47A8E4A}"/>
